--- a/doc/03_Technischer_Bericht_Teil_2/04_Entwurf/systemuebersicht.pptx
+++ b/doc/03_Technischer_Bericht_Teil_2/04_Entwurf/systemuebersicht.pptx
@@ -289,7 +289,7 @@
           <a:p>
             <a:fld id="{0249E109-C82C-46E0-A244-4DF44AC05D97}" type="datetimeFigureOut">
               <a:rPr lang="de-CH" smtClean="0"/>
-              <a:t>15.12.2011</a:t>
+              <a:t>19.12.2011</a:t>
             </a:fld>
             <a:endParaRPr lang="de-CH"/>
           </a:p>
@@ -459,7 +459,7 @@
           <a:p>
             <a:fld id="{0249E109-C82C-46E0-A244-4DF44AC05D97}" type="datetimeFigureOut">
               <a:rPr lang="de-CH" smtClean="0"/>
-              <a:t>15.12.2011</a:t>
+              <a:t>19.12.2011</a:t>
             </a:fld>
             <a:endParaRPr lang="de-CH"/>
           </a:p>
@@ -639,7 +639,7 @@
           <a:p>
             <a:fld id="{0249E109-C82C-46E0-A244-4DF44AC05D97}" type="datetimeFigureOut">
               <a:rPr lang="de-CH" smtClean="0"/>
-              <a:t>15.12.2011</a:t>
+              <a:t>19.12.2011</a:t>
             </a:fld>
             <a:endParaRPr lang="de-CH"/>
           </a:p>
@@ -809,7 +809,7 @@
           <a:p>
             <a:fld id="{0249E109-C82C-46E0-A244-4DF44AC05D97}" type="datetimeFigureOut">
               <a:rPr lang="de-CH" smtClean="0"/>
-              <a:t>15.12.2011</a:t>
+              <a:t>19.12.2011</a:t>
             </a:fld>
             <a:endParaRPr lang="de-CH"/>
           </a:p>
@@ -1055,7 +1055,7 @@
           <a:p>
             <a:fld id="{0249E109-C82C-46E0-A244-4DF44AC05D97}" type="datetimeFigureOut">
               <a:rPr lang="de-CH" smtClean="0"/>
-              <a:t>15.12.2011</a:t>
+              <a:t>19.12.2011</a:t>
             </a:fld>
             <a:endParaRPr lang="de-CH"/>
           </a:p>
@@ -1343,7 +1343,7 @@
           <a:p>
             <a:fld id="{0249E109-C82C-46E0-A244-4DF44AC05D97}" type="datetimeFigureOut">
               <a:rPr lang="de-CH" smtClean="0"/>
-              <a:t>15.12.2011</a:t>
+              <a:t>19.12.2011</a:t>
             </a:fld>
             <a:endParaRPr lang="de-CH"/>
           </a:p>
@@ -1765,7 +1765,7 @@
           <a:p>
             <a:fld id="{0249E109-C82C-46E0-A244-4DF44AC05D97}" type="datetimeFigureOut">
               <a:rPr lang="de-CH" smtClean="0"/>
-              <a:t>15.12.2011</a:t>
+              <a:t>19.12.2011</a:t>
             </a:fld>
             <a:endParaRPr lang="de-CH"/>
           </a:p>
@@ -1883,7 +1883,7 @@
           <a:p>
             <a:fld id="{0249E109-C82C-46E0-A244-4DF44AC05D97}" type="datetimeFigureOut">
               <a:rPr lang="de-CH" smtClean="0"/>
-              <a:t>15.12.2011</a:t>
+              <a:t>19.12.2011</a:t>
             </a:fld>
             <a:endParaRPr lang="de-CH"/>
           </a:p>
@@ -1978,7 +1978,7 @@
           <a:p>
             <a:fld id="{0249E109-C82C-46E0-A244-4DF44AC05D97}" type="datetimeFigureOut">
               <a:rPr lang="de-CH" smtClean="0"/>
-              <a:t>15.12.2011</a:t>
+              <a:t>19.12.2011</a:t>
             </a:fld>
             <a:endParaRPr lang="de-CH"/>
           </a:p>
@@ -2255,7 +2255,7 @@
           <a:p>
             <a:fld id="{0249E109-C82C-46E0-A244-4DF44AC05D97}" type="datetimeFigureOut">
               <a:rPr lang="de-CH" smtClean="0"/>
-              <a:t>15.12.2011</a:t>
+              <a:t>19.12.2011</a:t>
             </a:fld>
             <a:endParaRPr lang="de-CH"/>
           </a:p>
@@ -2508,7 +2508,7 @@
           <a:p>
             <a:fld id="{0249E109-C82C-46E0-A244-4DF44AC05D97}" type="datetimeFigureOut">
               <a:rPr lang="de-CH" smtClean="0"/>
-              <a:t>15.12.2011</a:t>
+              <a:t>19.12.2011</a:t>
             </a:fld>
             <a:endParaRPr lang="de-CH"/>
           </a:p>
@@ -2721,7 +2721,7 @@
           <a:p>
             <a:fld id="{0249E109-C82C-46E0-A244-4DF44AC05D97}" type="datetimeFigureOut">
               <a:rPr lang="de-CH" smtClean="0"/>
-              <a:t>15.12.2011</a:t>
+              <a:t>19.12.2011</a:t>
             </a:fld>
             <a:endParaRPr lang="de-CH"/>
           </a:p>
@@ -3096,626 +3096,117 @@
           <a:chExt cx="0" cy="0"/>
         </a:xfrm>
       </p:grpSpPr>
-      <p:pic>
-        <p:nvPicPr>
-          <p:cNvPr id="1026" name="Picture 2" descr="C:\Users\Lukas Elmer\AppData\Local\Microsoft\Windows\Temporary Internet Files\Content.IE5\6Z2H4EIO\MC900434845[1].png"/>
-          <p:cNvPicPr>
-            <a:picLocks noChangeAspect="1" noChangeArrowheads="1"/>
-          </p:cNvPicPr>
+      <p:sp>
+        <p:nvSpPr>
+          <p:cNvPr id="41" name="Rechteck 40"/>
+          <p:cNvSpPr/>
           <p:nvPr/>
-        </p:nvPicPr>
-        <p:blipFill>
-          <a:blip r:embed="rId2">
-            <a:extLst>
-              <a:ext uri="{28A0092B-C50C-407E-A947-70E740481C1C}">
-                <a14:useLocalDpi xmlns:a14="http://schemas.microsoft.com/office/drawing/2010/main" val="0"/>
-              </a:ext>
-            </a:extLst>
-          </a:blip>
-          <a:srcRect/>
-          <a:stretch>
-            <a:fillRect/>
-          </a:stretch>
-        </p:blipFill>
-        <p:spPr bwMode="auto">
+        </p:nvSpPr>
+        <p:spPr>
           <a:xfrm>
-            <a:off x="6030075" y="692696"/>
-            <a:ext cx="1688644" cy="1688644"/>
+            <a:off x="5283598" y="56756"/>
+            <a:ext cx="3754150" cy="6686008"/>
           </a:xfrm>
           <a:prstGeom prst="rect">
             <a:avLst/>
           </a:prstGeom>
-          <a:noFill/>
-          <a:extLst>
-            <a:ext uri="{909E8E84-426E-40DD-AFC4-6F175D3DCCD1}">
-              <a14:hiddenFill xmlns:a14="http://schemas.microsoft.com/office/drawing/2010/main">
-                <a:solidFill>
-                  <a:srgbClr val="FFFFFF"/>
-                </a:solidFill>
-              </a14:hiddenFill>
-            </a:ext>
-          </a:extLst>
         </p:spPr>
-      </p:pic>
-      <p:sp>
-        <p:nvSpPr>
-          <p:cNvPr id="4" name="Textfeld 3"/>
-          <p:cNvSpPr txBox="1"/>
+        <p:style>
+          <a:lnRef idx="2">
+            <a:schemeClr val="dk1"/>
+          </a:lnRef>
+          <a:fillRef idx="1">
+            <a:schemeClr val="lt1"/>
+          </a:fillRef>
+          <a:effectRef idx="0">
+            <a:schemeClr val="dk1"/>
+          </a:effectRef>
+          <a:fontRef idx="minor">
+            <a:schemeClr val="dk1"/>
+          </a:fontRef>
+        </p:style>
+        <p:txBody>
+          <a:bodyPr rtlCol="0" anchor="ctr"/>
+          <a:lstStyle/>
+          <a:p>
+            <a:pPr algn="ctr"/>
+            <a:endParaRPr lang="de-CH"/>
+          </a:p>
+        </p:txBody>
+      </p:sp>
+      <p:sp>
+        <p:nvSpPr>
+          <p:cNvPr id="40" name="Rechteck 39"/>
+          <p:cNvSpPr/>
           <p:nvPr/>
         </p:nvSpPr>
         <p:spPr>
           <a:xfrm>
-            <a:off x="5856660" y="2436105"/>
-            <a:ext cx="1992981" cy="646331"/>
+            <a:off x="60208" y="3399760"/>
+            <a:ext cx="2977813" cy="3278111"/>
           </a:xfrm>
           <a:prstGeom prst="rect">
             <a:avLst/>
           </a:prstGeom>
-          <a:noFill/>
         </p:spPr>
-        <p:txBody>
-          <a:bodyPr wrap="none" rtlCol="0">
-            <a:spAutoFit/>
-          </a:bodyPr>
+        <p:style>
+          <a:lnRef idx="2">
+            <a:schemeClr val="accent1"/>
+          </a:lnRef>
+          <a:fillRef idx="1">
+            <a:schemeClr val="lt1"/>
+          </a:fillRef>
+          <a:effectRef idx="0">
+            <a:schemeClr val="accent1"/>
+          </a:effectRef>
+          <a:fontRef idx="minor">
+            <a:schemeClr val="dk1"/>
+          </a:fontRef>
+        </p:style>
+        <p:txBody>
+          <a:bodyPr rtlCol="0" anchor="ctr"/>
           <a:lstStyle/>
           <a:p>
             <a:pPr algn="ctr"/>
-            <a:r>
-              <a:rPr lang="de-CH" dirty="0" smtClean="0"/>
-              <a:t>Webserver</a:t>
-            </a:r>
-          </a:p>
-          <a:p>
-            <a:pPr algn="ctr"/>
-            <a:r>
-              <a:rPr lang="de-CH" dirty="0" smtClean="0">
-                <a:hlinkClick r:id="rId3"/>
-              </a:rPr>
-              <a:t>http://zuehlke.com</a:t>
-            </a:r>
-            <a:endParaRPr lang="de-CH" dirty="0"/>
-          </a:p>
-        </p:txBody>
-      </p:sp>
-      <p:sp>
-        <p:nvSpPr>
-          <p:cNvPr id="5" name="Documents"/>
-          <p:cNvSpPr>
-            <a:spLocks noEditPoints="1" noChangeArrowheads="1"/>
-          </p:cNvSpPr>
-          <p:nvPr/>
-        </p:nvSpPr>
-        <p:spPr bwMode="auto">
-          <a:xfrm>
-            <a:off x="7592702" y="444441"/>
-            <a:ext cx="996625" cy="1333512"/>
-          </a:xfrm>
-          <a:custGeom>
-            <a:avLst/>
-            <a:gdLst>
-              <a:gd name="T0" fmla="*/ 0 w 21600"/>
-              <a:gd name="T1" fmla="*/ 2800 h 21600"/>
-              <a:gd name="T2" fmla="*/ 3468 w 21600"/>
-              <a:gd name="T3" fmla="*/ 0 h 21600"/>
-              <a:gd name="T4" fmla="*/ 21653 w 21600"/>
-              <a:gd name="T5" fmla="*/ 18828 h 21600"/>
-              <a:gd name="T6" fmla="*/ 19954 w 21600"/>
-              <a:gd name="T7" fmla="*/ 20214 h 21600"/>
-              <a:gd name="T8" fmla="*/ 18256 w 21600"/>
-              <a:gd name="T9" fmla="*/ 21628 h 21600"/>
-              <a:gd name="T10" fmla="*/ 19954 w 21600"/>
-              <a:gd name="T11" fmla="*/ 1428 h 21600"/>
-              <a:gd name="T12" fmla="*/ 18256 w 21600"/>
-              <a:gd name="T13" fmla="*/ 2800 h 21600"/>
-              <a:gd name="T14" fmla="*/ 1645 w 21600"/>
-              <a:gd name="T15" fmla="*/ 1428 h 21600"/>
-              <a:gd name="T16" fmla="*/ 21600 w 21600"/>
-              <a:gd name="T17" fmla="*/ 0 h 21600"/>
-              <a:gd name="T18" fmla="*/ 10800 w 21600"/>
-              <a:gd name="T19" fmla="*/ 0 h 21600"/>
-              <a:gd name="T20" fmla="*/ 0 w 21600"/>
-              <a:gd name="T21" fmla="*/ 10800 h 21600"/>
-              <a:gd name="T22" fmla="*/ 21600 w 21600"/>
-              <a:gd name="T23" fmla="*/ 10800 h 21600"/>
-              <a:gd name="T24" fmla="*/ 1645 w 21600"/>
-              <a:gd name="T25" fmla="*/ 4171 h 21600"/>
-              <a:gd name="T26" fmla="*/ 16522 w 21600"/>
-              <a:gd name="T27" fmla="*/ 17314 h 21600"/>
-            </a:gdLst>
-            <a:ahLst/>
-            <a:cxnLst>
-              <a:cxn ang="0">
-                <a:pos x="T0" y="T1"/>
-              </a:cxn>
-              <a:cxn ang="0">
-                <a:pos x="T2" y="T3"/>
-              </a:cxn>
-              <a:cxn ang="0">
-                <a:pos x="T4" y="T5"/>
-              </a:cxn>
-              <a:cxn ang="0">
-                <a:pos x="T6" y="T7"/>
-              </a:cxn>
-              <a:cxn ang="0">
-                <a:pos x="T8" y="T9"/>
-              </a:cxn>
-              <a:cxn ang="0">
-                <a:pos x="T10" y="T11"/>
-              </a:cxn>
-              <a:cxn ang="0">
-                <a:pos x="T12" y="T13"/>
-              </a:cxn>
-              <a:cxn ang="0">
-                <a:pos x="T14" y="T15"/>
-              </a:cxn>
-              <a:cxn ang="0">
-                <a:pos x="T16" y="T17"/>
-              </a:cxn>
-              <a:cxn ang="0">
-                <a:pos x="T18" y="T19"/>
-              </a:cxn>
-              <a:cxn ang="0">
-                <a:pos x="T20" y="T21"/>
-              </a:cxn>
-              <a:cxn ang="0">
-                <a:pos x="T22" y="T23"/>
-              </a:cxn>
-            </a:cxnLst>
-            <a:rect l="T24" t="T25" r="T26" b="T27"/>
-            <a:pathLst>
-              <a:path w="21600" h="21600" extrusionOk="0">
-                <a:moveTo>
-                  <a:pt x="0" y="18014"/>
-                </a:moveTo>
-                <a:lnTo>
-                  <a:pt x="0" y="2800"/>
-                </a:lnTo>
-                <a:lnTo>
-                  <a:pt x="1645" y="2800"/>
-                </a:lnTo>
-                <a:lnTo>
-                  <a:pt x="1645" y="1428"/>
-                </a:lnTo>
-                <a:lnTo>
-                  <a:pt x="3468" y="1428"/>
-                </a:lnTo>
-                <a:lnTo>
-                  <a:pt x="3468" y="0"/>
-                </a:lnTo>
-                <a:lnTo>
-                  <a:pt x="21653" y="0"/>
-                </a:lnTo>
-                <a:lnTo>
-                  <a:pt x="21653" y="18828"/>
-                </a:lnTo>
-                <a:lnTo>
-                  <a:pt x="19954" y="18828"/>
-                </a:lnTo>
-                <a:lnTo>
-                  <a:pt x="19954" y="20214"/>
-                </a:lnTo>
-                <a:lnTo>
-                  <a:pt x="18256" y="20214"/>
-                </a:lnTo>
-                <a:lnTo>
-                  <a:pt x="18256" y="21600"/>
-                </a:lnTo>
-                <a:lnTo>
-                  <a:pt x="4434" y="21600"/>
-                </a:lnTo>
-                <a:lnTo>
-                  <a:pt x="0" y="18014"/>
-                </a:lnTo>
-                <a:close/>
-              </a:path>
-              <a:path w="21600" h="21600" extrusionOk="0">
-                <a:moveTo>
-                  <a:pt x="3486" y="1428"/>
-                </a:moveTo>
-                <a:lnTo>
-                  <a:pt x="19954" y="1428"/>
-                </a:lnTo>
-                <a:lnTo>
-                  <a:pt x="19954" y="20214"/>
-                </a:lnTo>
-                <a:lnTo>
-                  <a:pt x="18256" y="20214"/>
-                </a:lnTo>
-                <a:lnTo>
-                  <a:pt x="18256" y="2800"/>
-                </a:lnTo>
-                <a:lnTo>
-                  <a:pt x="1645" y="2800"/>
-                </a:lnTo>
-                <a:lnTo>
-                  <a:pt x="1645" y="1428"/>
-                </a:lnTo>
-                <a:lnTo>
-                  <a:pt x="3486" y="1428"/>
-                </a:lnTo>
-                <a:close/>
-              </a:path>
-              <a:path w="21600" h="21600" extrusionOk="0">
-                <a:moveTo>
-                  <a:pt x="0" y="18014"/>
-                </a:moveTo>
-                <a:lnTo>
-                  <a:pt x="4434" y="18000"/>
-                </a:lnTo>
-                <a:lnTo>
-                  <a:pt x="4434" y="21600"/>
-                </a:lnTo>
-                <a:lnTo>
-                  <a:pt x="0" y="18014"/>
-                </a:lnTo>
-                <a:close/>
-              </a:path>
-            </a:pathLst>
-          </a:custGeom>
-          <a:solidFill>
-            <a:srgbClr val="D8EBB3"/>
-          </a:solidFill>
-          <a:ln w="9525">
-            <a:solidFill>
-              <a:srgbClr val="000000"/>
-            </a:solidFill>
-            <a:miter lim="800000"/>
-            <a:headEnd/>
-            <a:tailEnd/>
-          </a:ln>
-          <a:effectLst>
-            <a:outerShdw dist="107763" dir="2700000" algn="ctr" rotWithShape="0">
-              <a:srgbClr val="808080"/>
-            </a:outerShdw>
-          </a:effectLst>
-        </p:spPr>
-        <p:txBody>
-          <a:bodyPr vert="horz" wrap="square" lIns="91440" tIns="45720" rIns="91440" bIns="45720" numCol="1" anchor="t" anchorCtr="0" compatLnSpc="1">
-            <a:prstTxWarp prst="textNoShape">
-              <a:avLst/>
-            </a:prstTxWarp>
-          </a:bodyPr>
-          <a:lstStyle/>
-          <a:p>
             <a:endParaRPr lang="de-CH"/>
           </a:p>
         </p:txBody>
       </p:sp>
       <p:sp>
         <p:nvSpPr>
-          <p:cNvPr id="6" name="Textfeld 5"/>
-          <p:cNvSpPr txBox="1"/>
+          <p:cNvPr id="16" name="Rechteck 15"/>
+          <p:cNvSpPr/>
           <p:nvPr/>
         </p:nvSpPr>
         <p:spPr>
           <a:xfrm>
-            <a:off x="7366201" y="1974440"/>
-            <a:ext cx="1449628" cy="646331"/>
+            <a:off x="107504" y="138175"/>
+            <a:ext cx="2883223" cy="2854061"/>
           </a:xfrm>
           <a:prstGeom prst="rect">
             <a:avLst/>
           </a:prstGeom>
-          <a:noFill/>
         </p:spPr>
-        <p:txBody>
-          <a:bodyPr wrap="none" rtlCol="0">
-            <a:spAutoFit/>
-          </a:bodyPr>
+        <p:style>
+          <a:lnRef idx="2">
+            <a:schemeClr val="accent6"/>
+          </a:lnRef>
+          <a:fillRef idx="1">
+            <a:schemeClr val="lt1"/>
+          </a:fillRef>
+          <a:effectRef idx="0">
+            <a:schemeClr val="accent6"/>
+          </a:effectRef>
+          <a:fontRef idx="minor">
+            <a:schemeClr val="dk1"/>
+          </a:fontRef>
+        </p:style>
+        <p:txBody>
+          <a:bodyPr rtlCol="0" anchor="ctr"/>
           <a:lstStyle/>
           <a:p>
             <a:pPr algn="ctr"/>
-            <a:r>
-              <a:rPr lang="de-CH" dirty="0" smtClean="0"/>
-              <a:t>Project Notes</a:t>
-            </a:r>
-          </a:p>
-          <a:p>
-            <a:pPr algn="ctr"/>
-            <a:r>
-              <a:rPr lang="de-CH" dirty="0" smtClean="0"/>
-              <a:t>PDF</a:t>
-            </a:r>
             <a:endParaRPr lang="de-CH" dirty="0"/>
-          </a:p>
-        </p:txBody>
-      </p:sp>
-      <p:pic>
-        <p:nvPicPr>
-          <p:cNvPr id="1029" name="Picture 5" descr="http://www.microsoft.com/presspass/presskits/surfacecomputing/images/image006_low.jpg"/>
-          <p:cNvPicPr>
-            <a:picLocks noChangeAspect="1" noChangeArrowheads="1"/>
-          </p:cNvPicPr>
-          <p:nvPr/>
-        </p:nvPicPr>
-        <p:blipFill>
-          <a:blip r:embed="rId4">
-            <a:extLst>
-              <a:ext uri="{28A0092B-C50C-407E-A947-70E740481C1C}">
-                <a14:useLocalDpi xmlns:a14="http://schemas.microsoft.com/office/drawing/2010/main" val="0"/>
-              </a:ext>
-            </a:extLst>
-          </a:blip>
-          <a:srcRect/>
-          <a:stretch>
-            <a:fillRect/>
-          </a:stretch>
-        </p:blipFill>
-        <p:spPr bwMode="auto">
-          <a:xfrm>
-            <a:off x="179512" y="2282895"/>
-            <a:ext cx="3745375" cy="2514257"/>
-          </a:xfrm>
-          <a:prstGeom prst="rect">
-            <a:avLst/>
-          </a:prstGeom>
-          <a:noFill/>
-          <a:extLst>
-            <a:ext uri="{909E8E84-426E-40DD-AFC4-6F175D3DCCD1}">
-              <a14:hiddenFill xmlns:a14="http://schemas.microsoft.com/office/drawing/2010/main">
-                <a:solidFill>
-                  <a:srgbClr val="FFFFFF"/>
-                </a:solidFill>
-              </a14:hiddenFill>
-            </a:ext>
-          </a:extLst>
-        </p:spPr>
-      </p:pic>
-      <p:pic>
-        <p:nvPicPr>
-          <p:cNvPr id="9" name="Picture 2" descr="C:\Users\Lukas Elmer\AppData\Local\Microsoft\Windows\Temporary Internet Files\Content.IE5\6Z2H4EIO\MC900434845[1].png"/>
-          <p:cNvPicPr>
-            <a:picLocks noChangeAspect="1" noChangeArrowheads="1"/>
-          </p:cNvPicPr>
-          <p:nvPr/>
-        </p:nvPicPr>
-        <p:blipFill>
-          <a:blip r:embed="rId2">
-            <a:extLst>
-              <a:ext uri="{28A0092B-C50C-407E-A947-70E740481C1C}">
-                <a14:useLocalDpi xmlns:a14="http://schemas.microsoft.com/office/drawing/2010/main" val="0"/>
-              </a:ext>
-            </a:extLst>
-          </a:blip>
-          <a:srcRect/>
-          <a:stretch>
-            <a:fillRect/>
-          </a:stretch>
-        </p:blipFill>
-        <p:spPr bwMode="auto">
-          <a:xfrm>
-            <a:off x="6008828" y="3958692"/>
-            <a:ext cx="1688644" cy="1688644"/>
-          </a:xfrm>
-          <a:prstGeom prst="rect">
-            <a:avLst/>
-          </a:prstGeom>
-          <a:noFill/>
-          <a:extLst>
-            <a:ext uri="{909E8E84-426E-40DD-AFC4-6F175D3DCCD1}">
-              <a14:hiddenFill xmlns:a14="http://schemas.microsoft.com/office/drawing/2010/main">
-                <a:solidFill>
-                  <a:srgbClr val="FFFFFF"/>
-                </a:solidFill>
-              </a14:hiddenFill>
-            </a:ext>
-          </a:extLst>
-        </p:spPr>
-      </p:pic>
-      <p:sp>
-        <p:nvSpPr>
-          <p:cNvPr id="10" name="Textfeld 9"/>
-          <p:cNvSpPr txBox="1"/>
-          <p:nvPr/>
-        </p:nvSpPr>
-        <p:spPr>
-          <a:xfrm>
-            <a:off x="5838014" y="5647336"/>
-            <a:ext cx="1862561" cy="369332"/>
-          </a:xfrm>
-          <a:prstGeom prst="rect">
-            <a:avLst/>
-          </a:prstGeom>
-          <a:noFill/>
-        </p:spPr>
-        <p:txBody>
-          <a:bodyPr wrap="none" rtlCol="0">
-            <a:spAutoFit/>
-          </a:bodyPr>
-          <a:lstStyle/>
-          <a:p>
-            <a:pPr algn="ctr"/>
-            <a:r>
-              <a:rPr lang="de-CH" dirty="0" err="1" smtClean="0"/>
-              <a:t>Sharepoint</a:t>
-            </a:r>
-            <a:r>
-              <a:rPr lang="de-CH" dirty="0" smtClean="0"/>
-              <a:t> Server</a:t>
-            </a:r>
-            <a:endParaRPr lang="de-CH" dirty="0"/>
-          </a:p>
-        </p:txBody>
-      </p:sp>
-      <p:sp>
-        <p:nvSpPr>
-          <p:cNvPr id="12" name="Textfeld 11"/>
-          <p:cNvSpPr txBox="1"/>
-          <p:nvPr/>
-        </p:nvSpPr>
-        <p:spPr>
-          <a:xfrm>
-            <a:off x="7366200" y="5935978"/>
-            <a:ext cx="1449628" cy="646331"/>
-          </a:xfrm>
-          <a:prstGeom prst="rect">
-            <a:avLst/>
-          </a:prstGeom>
-          <a:noFill/>
-        </p:spPr>
-        <p:txBody>
-          <a:bodyPr wrap="none" rtlCol="0">
-            <a:spAutoFit/>
-          </a:bodyPr>
-          <a:lstStyle/>
-          <a:p>
-            <a:pPr algn="ctr"/>
-            <a:r>
-              <a:rPr lang="de-CH" dirty="0" smtClean="0"/>
-              <a:t>Project Notes</a:t>
-            </a:r>
-          </a:p>
-          <a:p>
-            <a:pPr algn="ctr"/>
-            <a:r>
-              <a:rPr lang="de-CH" dirty="0" smtClean="0"/>
-              <a:t>Metainfos</a:t>
-            </a:r>
-            <a:endParaRPr lang="de-CH" dirty="0"/>
-          </a:p>
-        </p:txBody>
-      </p:sp>
-      <p:sp>
-        <p:nvSpPr>
-          <p:cNvPr id="7" name="Document"/>
-          <p:cNvSpPr>
-            <a:spLocks noEditPoints="1" noChangeArrowheads="1"/>
-          </p:cNvSpPr>
-          <p:nvPr/>
-        </p:nvSpPr>
-        <p:spPr bwMode="auto">
-          <a:xfrm>
-            <a:off x="7756273" y="4803014"/>
-            <a:ext cx="821736" cy="1099506"/>
-          </a:xfrm>
-          <a:custGeom>
-            <a:avLst/>
-            <a:gdLst>
-              <a:gd name="T0" fmla="*/ 10757 w 21600"/>
-              <a:gd name="T1" fmla="*/ 21632 h 21600"/>
-              <a:gd name="T2" fmla="*/ 85 w 21600"/>
-              <a:gd name="T3" fmla="*/ 10849 h 21600"/>
-              <a:gd name="T4" fmla="*/ 10757 w 21600"/>
-              <a:gd name="T5" fmla="*/ 81 h 21600"/>
-              <a:gd name="T6" fmla="*/ 21706 w 21600"/>
-              <a:gd name="T7" fmla="*/ 10652 h 21600"/>
-              <a:gd name="T8" fmla="*/ 10757 w 21600"/>
-              <a:gd name="T9" fmla="*/ 21632 h 21600"/>
-              <a:gd name="T10" fmla="*/ 0 w 21600"/>
-              <a:gd name="T11" fmla="*/ 0 h 21600"/>
-              <a:gd name="T12" fmla="*/ 21600 w 21600"/>
-              <a:gd name="T13" fmla="*/ 0 h 21600"/>
-              <a:gd name="T14" fmla="*/ 21600 w 21600"/>
-              <a:gd name="T15" fmla="*/ 21600 h 21600"/>
-              <a:gd name="T16" fmla="*/ 977 w 21600"/>
-              <a:gd name="T17" fmla="*/ 818 h 21600"/>
-              <a:gd name="T18" fmla="*/ 20622 w 21600"/>
-              <a:gd name="T19" fmla="*/ 16429 h 21600"/>
-            </a:gdLst>
-            <a:ahLst/>
-            <a:cxnLst>
-              <a:cxn ang="0">
-                <a:pos x="T0" y="T1"/>
-              </a:cxn>
-              <a:cxn ang="0">
-                <a:pos x="T2" y="T3"/>
-              </a:cxn>
-              <a:cxn ang="0">
-                <a:pos x="T4" y="T5"/>
-              </a:cxn>
-              <a:cxn ang="0">
-                <a:pos x="T6" y="T7"/>
-              </a:cxn>
-              <a:cxn ang="0">
-                <a:pos x="T8" y="T9"/>
-              </a:cxn>
-              <a:cxn ang="0">
-                <a:pos x="T10" y="T11"/>
-              </a:cxn>
-              <a:cxn ang="0">
-                <a:pos x="T12" y="T13"/>
-              </a:cxn>
-              <a:cxn ang="0">
-                <a:pos x="T14" y="T15"/>
-              </a:cxn>
-            </a:cxnLst>
-            <a:rect l="T16" t="T17" r="T18" b="T19"/>
-            <a:pathLst>
-              <a:path w="21600" h="21600">
-                <a:moveTo>
-                  <a:pt x="10757" y="21632"/>
-                </a:moveTo>
-                <a:lnTo>
-                  <a:pt x="5187" y="21632"/>
-                </a:lnTo>
-                <a:lnTo>
-                  <a:pt x="85" y="17509"/>
-                </a:lnTo>
-                <a:lnTo>
-                  <a:pt x="85" y="10849"/>
-                </a:lnTo>
-                <a:lnTo>
-                  <a:pt x="85" y="81"/>
-                </a:lnTo>
-                <a:lnTo>
-                  <a:pt x="10757" y="81"/>
-                </a:lnTo>
-                <a:lnTo>
-                  <a:pt x="21706" y="81"/>
-                </a:lnTo>
-                <a:lnTo>
-                  <a:pt x="21706" y="10652"/>
-                </a:lnTo>
-                <a:lnTo>
-                  <a:pt x="21706" y="21632"/>
-                </a:lnTo>
-                <a:lnTo>
-                  <a:pt x="10757" y="21632"/>
-                </a:lnTo>
-                <a:close/>
-              </a:path>
-              <a:path w="21600" h="21600">
-                <a:moveTo>
-                  <a:pt x="85" y="17509"/>
-                </a:moveTo>
-                <a:lnTo>
-                  <a:pt x="5187" y="17509"/>
-                </a:lnTo>
-                <a:lnTo>
-                  <a:pt x="5187" y="21632"/>
-                </a:lnTo>
-                <a:lnTo>
-                  <a:pt x="85" y="17509"/>
-                </a:lnTo>
-                <a:close/>
-              </a:path>
-            </a:pathLst>
-          </a:custGeom>
-          <a:solidFill>
-            <a:srgbClr val="D8EBB3"/>
-          </a:solidFill>
-          <a:ln w="9525">
-            <a:solidFill>
-              <a:srgbClr val="000000"/>
-            </a:solidFill>
-            <a:miter lim="800000"/>
-            <a:headEnd/>
-            <a:tailEnd/>
-          </a:ln>
-          <a:effectLst>
-            <a:outerShdw dist="107763" dir="2700000" algn="ctr" rotWithShape="0">
-              <a:srgbClr val="808080"/>
-            </a:outerShdw>
-          </a:effectLst>
-        </p:spPr>
-        <p:txBody>
-          <a:bodyPr vert="horz" wrap="square" lIns="91440" tIns="45720" rIns="91440" bIns="45720" numCol="1" anchor="t" anchorCtr="0" compatLnSpc="1">
-            <a:prstTxWarp prst="textNoShape">
-              <a:avLst/>
-            </a:prstTxWarp>
-          </a:bodyPr>
-          <a:lstStyle/>
-          <a:p>
-            <a:endParaRPr lang="de-CH"/>
           </a:p>
         </p:txBody>
       </p:sp>
@@ -3727,7 +3218,7 @@
         </p:nvSpPr>
         <p:spPr>
           <a:xfrm>
-            <a:off x="1047052" y="4581128"/>
+            <a:off x="6419553" y="3943257"/>
             <a:ext cx="2010295" cy="369332"/>
           </a:xfrm>
           <a:prstGeom prst="rect">
@@ -3758,6 +3249,1912 @@
           </a:p>
         </p:txBody>
       </p:sp>
+      <p:grpSp>
+        <p:nvGrpSpPr>
+          <p:cNvPr id="15" name="Gruppieren 14"/>
+          <p:cNvGrpSpPr/>
+          <p:nvPr/>
+        </p:nvGrpSpPr>
+        <p:grpSpPr>
+          <a:xfrm>
+            <a:off x="6282980" y="4396985"/>
+            <a:ext cx="2673254" cy="2345779"/>
+            <a:chOff x="5377715" y="88405"/>
+            <a:chExt cx="2673254" cy="2345779"/>
+          </a:xfrm>
+        </p:grpSpPr>
+        <p:grpSp>
+          <p:nvGrpSpPr>
+            <p:cNvPr id="13" name="Gruppieren 12"/>
+            <p:cNvGrpSpPr/>
+            <p:nvPr/>
+          </p:nvGrpSpPr>
+          <p:grpSpPr>
+            <a:xfrm>
+              <a:off x="5377715" y="457737"/>
+              <a:ext cx="2673254" cy="1976447"/>
+              <a:chOff x="5377715" y="457737"/>
+              <a:chExt cx="2673254" cy="1976447"/>
+            </a:xfrm>
+          </p:grpSpPr>
+          <p:sp>
+            <p:nvSpPr>
+              <p:cNvPr id="27" name="Documents"/>
+              <p:cNvSpPr>
+                <a:spLocks noEditPoints="1" noChangeArrowheads="1"/>
+              </p:cNvSpPr>
+              <p:nvPr/>
+            </p:nvSpPr>
+            <p:spPr bwMode="auto">
+              <a:xfrm>
+                <a:off x="5377715" y="1043323"/>
+                <a:ext cx="709720" cy="949625"/>
+              </a:xfrm>
+              <a:custGeom>
+                <a:avLst/>
+                <a:gdLst>
+                  <a:gd name="T0" fmla="*/ 0 w 21600"/>
+                  <a:gd name="T1" fmla="*/ 2800 h 21600"/>
+                  <a:gd name="T2" fmla="*/ 3468 w 21600"/>
+                  <a:gd name="T3" fmla="*/ 0 h 21600"/>
+                  <a:gd name="T4" fmla="*/ 21653 w 21600"/>
+                  <a:gd name="T5" fmla="*/ 18828 h 21600"/>
+                  <a:gd name="T6" fmla="*/ 19954 w 21600"/>
+                  <a:gd name="T7" fmla="*/ 20214 h 21600"/>
+                  <a:gd name="T8" fmla="*/ 18256 w 21600"/>
+                  <a:gd name="T9" fmla="*/ 21628 h 21600"/>
+                  <a:gd name="T10" fmla="*/ 19954 w 21600"/>
+                  <a:gd name="T11" fmla="*/ 1428 h 21600"/>
+                  <a:gd name="T12" fmla="*/ 18256 w 21600"/>
+                  <a:gd name="T13" fmla="*/ 2800 h 21600"/>
+                  <a:gd name="T14" fmla="*/ 1645 w 21600"/>
+                  <a:gd name="T15" fmla="*/ 1428 h 21600"/>
+                  <a:gd name="T16" fmla="*/ 21600 w 21600"/>
+                  <a:gd name="T17" fmla="*/ 0 h 21600"/>
+                  <a:gd name="T18" fmla="*/ 10800 w 21600"/>
+                  <a:gd name="T19" fmla="*/ 0 h 21600"/>
+                  <a:gd name="T20" fmla="*/ 0 w 21600"/>
+                  <a:gd name="T21" fmla="*/ 10800 h 21600"/>
+                  <a:gd name="T22" fmla="*/ 21600 w 21600"/>
+                  <a:gd name="T23" fmla="*/ 10800 h 21600"/>
+                  <a:gd name="T24" fmla="*/ 1645 w 21600"/>
+                  <a:gd name="T25" fmla="*/ 4171 h 21600"/>
+                  <a:gd name="T26" fmla="*/ 16522 w 21600"/>
+                  <a:gd name="T27" fmla="*/ 17314 h 21600"/>
+                </a:gdLst>
+                <a:ahLst/>
+                <a:cxnLst>
+                  <a:cxn ang="0">
+                    <a:pos x="T0" y="T1"/>
+                  </a:cxn>
+                  <a:cxn ang="0">
+                    <a:pos x="T2" y="T3"/>
+                  </a:cxn>
+                  <a:cxn ang="0">
+                    <a:pos x="T4" y="T5"/>
+                  </a:cxn>
+                  <a:cxn ang="0">
+                    <a:pos x="T6" y="T7"/>
+                  </a:cxn>
+                  <a:cxn ang="0">
+                    <a:pos x="T8" y="T9"/>
+                  </a:cxn>
+                  <a:cxn ang="0">
+                    <a:pos x="T10" y="T11"/>
+                  </a:cxn>
+                  <a:cxn ang="0">
+                    <a:pos x="T12" y="T13"/>
+                  </a:cxn>
+                  <a:cxn ang="0">
+                    <a:pos x="T14" y="T15"/>
+                  </a:cxn>
+                  <a:cxn ang="0">
+                    <a:pos x="T16" y="T17"/>
+                  </a:cxn>
+                  <a:cxn ang="0">
+                    <a:pos x="T18" y="T19"/>
+                  </a:cxn>
+                  <a:cxn ang="0">
+                    <a:pos x="T20" y="T21"/>
+                  </a:cxn>
+                  <a:cxn ang="0">
+                    <a:pos x="T22" y="T23"/>
+                  </a:cxn>
+                </a:cxnLst>
+                <a:rect l="T24" t="T25" r="T26" b="T27"/>
+                <a:pathLst>
+                  <a:path w="21600" h="21600" extrusionOk="0">
+                    <a:moveTo>
+                      <a:pt x="0" y="18014"/>
+                    </a:moveTo>
+                    <a:lnTo>
+                      <a:pt x="0" y="2800"/>
+                    </a:lnTo>
+                    <a:lnTo>
+                      <a:pt x="1645" y="2800"/>
+                    </a:lnTo>
+                    <a:lnTo>
+                      <a:pt x="1645" y="1428"/>
+                    </a:lnTo>
+                    <a:lnTo>
+                      <a:pt x="3468" y="1428"/>
+                    </a:lnTo>
+                    <a:lnTo>
+                      <a:pt x="3468" y="0"/>
+                    </a:lnTo>
+                    <a:lnTo>
+                      <a:pt x="21653" y="0"/>
+                    </a:lnTo>
+                    <a:lnTo>
+                      <a:pt x="21653" y="18828"/>
+                    </a:lnTo>
+                    <a:lnTo>
+                      <a:pt x="19954" y="18828"/>
+                    </a:lnTo>
+                    <a:lnTo>
+                      <a:pt x="19954" y="20214"/>
+                    </a:lnTo>
+                    <a:lnTo>
+                      <a:pt x="18256" y="20214"/>
+                    </a:lnTo>
+                    <a:lnTo>
+                      <a:pt x="18256" y="21600"/>
+                    </a:lnTo>
+                    <a:lnTo>
+                      <a:pt x="4434" y="21600"/>
+                    </a:lnTo>
+                    <a:lnTo>
+                      <a:pt x="0" y="18014"/>
+                    </a:lnTo>
+                    <a:close/>
+                  </a:path>
+                  <a:path w="21600" h="21600" extrusionOk="0">
+                    <a:moveTo>
+                      <a:pt x="3486" y="1428"/>
+                    </a:moveTo>
+                    <a:lnTo>
+                      <a:pt x="19954" y="1428"/>
+                    </a:lnTo>
+                    <a:lnTo>
+                      <a:pt x="19954" y="20214"/>
+                    </a:lnTo>
+                    <a:lnTo>
+                      <a:pt x="18256" y="20214"/>
+                    </a:lnTo>
+                    <a:lnTo>
+                      <a:pt x="18256" y="2800"/>
+                    </a:lnTo>
+                    <a:lnTo>
+                      <a:pt x="1645" y="2800"/>
+                    </a:lnTo>
+                    <a:lnTo>
+                      <a:pt x="1645" y="1428"/>
+                    </a:lnTo>
+                    <a:lnTo>
+                      <a:pt x="3486" y="1428"/>
+                    </a:lnTo>
+                    <a:close/>
+                  </a:path>
+                  <a:path w="21600" h="21600" extrusionOk="0">
+                    <a:moveTo>
+                      <a:pt x="0" y="18014"/>
+                    </a:moveTo>
+                    <a:lnTo>
+                      <a:pt x="4434" y="18000"/>
+                    </a:lnTo>
+                    <a:lnTo>
+                      <a:pt x="4434" y="21600"/>
+                    </a:lnTo>
+                    <a:lnTo>
+                      <a:pt x="0" y="18014"/>
+                    </a:lnTo>
+                    <a:close/>
+                  </a:path>
+                </a:pathLst>
+              </a:custGeom>
+              <a:ln>
+                <a:headEnd/>
+                <a:tailEnd/>
+              </a:ln>
+            </p:spPr>
+            <p:style>
+              <a:lnRef idx="2">
+                <a:schemeClr val="accent1">
+                  <a:shade val="50000"/>
+                </a:schemeClr>
+              </a:lnRef>
+              <a:fillRef idx="1">
+                <a:schemeClr val="accent1"/>
+              </a:fillRef>
+              <a:effectRef idx="0">
+                <a:schemeClr val="accent1"/>
+              </a:effectRef>
+              <a:fontRef idx="minor">
+                <a:schemeClr val="lt1"/>
+              </a:fontRef>
+            </p:style>
+            <p:txBody>
+              <a:bodyPr vert="horz" wrap="square" lIns="91440" tIns="45720" rIns="91440" bIns="45720" numCol="1" anchor="t" anchorCtr="0" compatLnSpc="1">
+                <a:prstTxWarp prst="textNoShape">
+                  <a:avLst/>
+                </a:prstTxWarp>
+              </a:bodyPr>
+              <a:lstStyle/>
+              <a:p>
+                <a:endParaRPr lang="de-CH"/>
+              </a:p>
+            </p:txBody>
+          </p:sp>
+          <p:sp>
+            <p:nvSpPr>
+              <p:cNvPr id="28" name="Textfeld 27"/>
+              <p:cNvSpPr txBox="1"/>
+              <p:nvPr/>
+            </p:nvSpPr>
+            <p:spPr>
+              <a:xfrm>
+                <a:off x="5413801" y="2064852"/>
+                <a:ext cx="637547" cy="369332"/>
+              </a:xfrm>
+              <a:prstGeom prst="rect">
+                <a:avLst/>
+              </a:prstGeom>
+              <a:noFill/>
+            </p:spPr>
+            <p:txBody>
+              <a:bodyPr wrap="none" rtlCol="0">
+                <a:spAutoFit/>
+              </a:bodyPr>
+              <a:lstStyle/>
+              <a:p>
+                <a:pPr algn="ctr"/>
+                <a:r>
+                  <a:rPr lang="de-CH" dirty="0" smtClean="0"/>
+                  <a:t>PDFs</a:t>
+                </a:r>
+                <a:endParaRPr lang="de-CH" dirty="0"/>
+              </a:p>
+            </p:txBody>
+          </p:sp>
+          <p:sp>
+            <p:nvSpPr>
+              <p:cNvPr id="29" name="Documents"/>
+              <p:cNvSpPr>
+                <a:spLocks noEditPoints="1" noChangeArrowheads="1"/>
+              </p:cNvSpPr>
+              <p:nvPr/>
+            </p:nvSpPr>
+            <p:spPr bwMode="auto">
+              <a:xfrm>
+                <a:off x="6313818" y="1043323"/>
+                <a:ext cx="709720" cy="949625"/>
+              </a:xfrm>
+              <a:custGeom>
+                <a:avLst/>
+                <a:gdLst>
+                  <a:gd name="T0" fmla="*/ 0 w 21600"/>
+                  <a:gd name="T1" fmla="*/ 2800 h 21600"/>
+                  <a:gd name="T2" fmla="*/ 3468 w 21600"/>
+                  <a:gd name="T3" fmla="*/ 0 h 21600"/>
+                  <a:gd name="T4" fmla="*/ 21653 w 21600"/>
+                  <a:gd name="T5" fmla="*/ 18828 h 21600"/>
+                  <a:gd name="T6" fmla="*/ 19954 w 21600"/>
+                  <a:gd name="T7" fmla="*/ 20214 h 21600"/>
+                  <a:gd name="T8" fmla="*/ 18256 w 21600"/>
+                  <a:gd name="T9" fmla="*/ 21628 h 21600"/>
+                  <a:gd name="T10" fmla="*/ 19954 w 21600"/>
+                  <a:gd name="T11" fmla="*/ 1428 h 21600"/>
+                  <a:gd name="T12" fmla="*/ 18256 w 21600"/>
+                  <a:gd name="T13" fmla="*/ 2800 h 21600"/>
+                  <a:gd name="T14" fmla="*/ 1645 w 21600"/>
+                  <a:gd name="T15" fmla="*/ 1428 h 21600"/>
+                  <a:gd name="T16" fmla="*/ 21600 w 21600"/>
+                  <a:gd name="T17" fmla="*/ 0 h 21600"/>
+                  <a:gd name="T18" fmla="*/ 10800 w 21600"/>
+                  <a:gd name="T19" fmla="*/ 0 h 21600"/>
+                  <a:gd name="T20" fmla="*/ 0 w 21600"/>
+                  <a:gd name="T21" fmla="*/ 10800 h 21600"/>
+                  <a:gd name="T22" fmla="*/ 21600 w 21600"/>
+                  <a:gd name="T23" fmla="*/ 10800 h 21600"/>
+                  <a:gd name="T24" fmla="*/ 1645 w 21600"/>
+                  <a:gd name="T25" fmla="*/ 4171 h 21600"/>
+                  <a:gd name="T26" fmla="*/ 16522 w 21600"/>
+                  <a:gd name="T27" fmla="*/ 17314 h 21600"/>
+                </a:gdLst>
+                <a:ahLst/>
+                <a:cxnLst>
+                  <a:cxn ang="0">
+                    <a:pos x="T0" y="T1"/>
+                  </a:cxn>
+                  <a:cxn ang="0">
+                    <a:pos x="T2" y="T3"/>
+                  </a:cxn>
+                  <a:cxn ang="0">
+                    <a:pos x="T4" y="T5"/>
+                  </a:cxn>
+                  <a:cxn ang="0">
+                    <a:pos x="T6" y="T7"/>
+                  </a:cxn>
+                  <a:cxn ang="0">
+                    <a:pos x="T8" y="T9"/>
+                  </a:cxn>
+                  <a:cxn ang="0">
+                    <a:pos x="T10" y="T11"/>
+                  </a:cxn>
+                  <a:cxn ang="0">
+                    <a:pos x="T12" y="T13"/>
+                  </a:cxn>
+                  <a:cxn ang="0">
+                    <a:pos x="T14" y="T15"/>
+                  </a:cxn>
+                  <a:cxn ang="0">
+                    <a:pos x="T16" y="T17"/>
+                  </a:cxn>
+                  <a:cxn ang="0">
+                    <a:pos x="T18" y="T19"/>
+                  </a:cxn>
+                  <a:cxn ang="0">
+                    <a:pos x="T20" y="T21"/>
+                  </a:cxn>
+                  <a:cxn ang="0">
+                    <a:pos x="T22" y="T23"/>
+                  </a:cxn>
+                </a:cxnLst>
+                <a:rect l="T24" t="T25" r="T26" b="T27"/>
+                <a:pathLst>
+                  <a:path w="21600" h="21600" extrusionOk="0">
+                    <a:moveTo>
+                      <a:pt x="0" y="18014"/>
+                    </a:moveTo>
+                    <a:lnTo>
+                      <a:pt x="0" y="2800"/>
+                    </a:lnTo>
+                    <a:lnTo>
+                      <a:pt x="1645" y="2800"/>
+                    </a:lnTo>
+                    <a:lnTo>
+                      <a:pt x="1645" y="1428"/>
+                    </a:lnTo>
+                    <a:lnTo>
+                      <a:pt x="3468" y="1428"/>
+                    </a:lnTo>
+                    <a:lnTo>
+                      <a:pt x="3468" y="0"/>
+                    </a:lnTo>
+                    <a:lnTo>
+                      <a:pt x="21653" y="0"/>
+                    </a:lnTo>
+                    <a:lnTo>
+                      <a:pt x="21653" y="18828"/>
+                    </a:lnTo>
+                    <a:lnTo>
+                      <a:pt x="19954" y="18828"/>
+                    </a:lnTo>
+                    <a:lnTo>
+                      <a:pt x="19954" y="20214"/>
+                    </a:lnTo>
+                    <a:lnTo>
+                      <a:pt x="18256" y="20214"/>
+                    </a:lnTo>
+                    <a:lnTo>
+                      <a:pt x="18256" y="21600"/>
+                    </a:lnTo>
+                    <a:lnTo>
+                      <a:pt x="4434" y="21600"/>
+                    </a:lnTo>
+                    <a:lnTo>
+                      <a:pt x="0" y="18014"/>
+                    </a:lnTo>
+                    <a:close/>
+                  </a:path>
+                  <a:path w="21600" h="21600" extrusionOk="0">
+                    <a:moveTo>
+                      <a:pt x="3486" y="1428"/>
+                    </a:moveTo>
+                    <a:lnTo>
+                      <a:pt x="19954" y="1428"/>
+                    </a:lnTo>
+                    <a:lnTo>
+                      <a:pt x="19954" y="20214"/>
+                    </a:lnTo>
+                    <a:lnTo>
+                      <a:pt x="18256" y="20214"/>
+                    </a:lnTo>
+                    <a:lnTo>
+                      <a:pt x="18256" y="2800"/>
+                    </a:lnTo>
+                    <a:lnTo>
+                      <a:pt x="1645" y="2800"/>
+                    </a:lnTo>
+                    <a:lnTo>
+                      <a:pt x="1645" y="1428"/>
+                    </a:lnTo>
+                    <a:lnTo>
+                      <a:pt x="3486" y="1428"/>
+                    </a:lnTo>
+                    <a:close/>
+                  </a:path>
+                  <a:path w="21600" h="21600" extrusionOk="0">
+                    <a:moveTo>
+                      <a:pt x="0" y="18014"/>
+                    </a:moveTo>
+                    <a:lnTo>
+                      <a:pt x="4434" y="18000"/>
+                    </a:lnTo>
+                    <a:lnTo>
+                      <a:pt x="4434" y="21600"/>
+                    </a:lnTo>
+                    <a:lnTo>
+                      <a:pt x="0" y="18014"/>
+                    </a:lnTo>
+                    <a:close/>
+                  </a:path>
+                </a:pathLst>
+              </a:custGeom>
+              <a:ln>
+                <a:headEnd/>
+                <a:tailEnd/>
+              </a:ln>
+            </p:spPr>
+            <p:style>
+              <a:lnRef idx="2">
+                <a:schemeClr val="dk1"/>
+              </a:lnRef>
+              <a:fillRef idx="1">
+                <a:schemeClr val="lt1"/>
+              </a:fillRef>
+              <a:effectRef idx="0">
+                <a:schemeClr val="dk1"/>
+              </a:effectRef>
+              <a:fontRef idx="minor">
+                <a:schemeClr val="dk1"/>
+              </a:fontRef>
+            </p:style>
+            <p:txBody>
+              <a:bodyPr vert="horz" wrap="square" lIns="91440" tIns="45720" rIns="91440" bIns="45720" numCol="1" anchor="t" anchorCtr="0" compatLnSpc="1">
+                <a:prstTxWarp prst="textNoShape">
+                  <a:avLst/>
+                </a:prstTxWarp>
+              </a:bodyPr>
+              <a:lstStyle/>
+              <a:p>
+                <a:endParaRPr lang="de-CH"/>
+              </a:p>
+            </p:txBody>
+          </p:sp>
+          <p:sp>
+            <p:nvSpPr>
+              <p:cNvPr id="30" name="Textfeld 29"/>
+              <p:cNvSpPr txBox="1"/>
+              <p:nvPr/>
+            </p:nvSpPr>
+            <p:spPr>
+              <a:xfrm>
+                <a:off x="6359138" y="2064852"/>
+                <a:ext cx="619080" cy="369332"/>
+              </a:xfrm>
+              <a:prstGeom prst="rect">
+                <a:avLst/>
+              </a:prstGeom>
+              <a:noFill/>
+            </p:spPr>
+            <p:txBody>
+              <a:bodyPr wrap="none" rtlCol="0">
+                <a:spAutoFit/>
+              </a:bodyPr>
+              <a:lstStyle/>
+              <a:p>
+                <a:pPr algn="ctr"/>
+                <a:r>
+                  <a:rPr lang="de-CH" dirty="0" smtClean="0"/>
+                  <a:t>XPSs</a:t>
+                </a:r>
+                <a:endParaRPr lang="de-CH" dirty="0"/>
+              </a:p>
+            </p:txBody>
+          </p:sp>
+          <p:sp>
+            <p:nvSpPr>
+              <p:cNvPr id="31" name="Documents"/>
+              <p:cNvSpPr>
+                <a:spLocks noEditPoints="1" noChangeArrowheads="1"/>
+              </p:cNvSpPr>
+              <p:nvPr/>
+            </p:nvSpPr>
+            <p:spPr bwMode="auto">
+              <a:xfrm>
+                <a:off x="7271312" y="1043323"/>
+                <a:ext cx="709720" cy="949625"/>
+              </a:xfrm>
+              <a:custGeom>
+                <a:avLst/>
+                <a:gdLst>
+                  <a:gd name="T0" fmla="*/ 0 w 21600"/>
+                  <a:gd name="T1" fmla="*/ 2800 h 21600"/>
+                  <a:gd name="T2" fmla="*/ 3468 w 21600"/>
+                  <a:gd name="T3" fmla="*/ 0 h 21600"/>
+                  <a:gd name="T4" fmla="*/ 21653 w 21600"/>
+                  <a:gd name="T5" fmla="*/ 18828 h 21600"/>
+                  <a:gd name="T6" fmla="*/ 19954 w 21600"/>
+                  <a:gd name="T7" fmla="*/ 20214 h 21600"/>
+                  <a:gd name="T8" fmla="*/ 18256 w 21600"/>
+                  <a:gd name="T9" fmla="*/ 21628 h 21600"/>
+                  <a:gd name="T10" fmla="*/ 19954 w 21600"/>
+                  <a:gd name="T11" fmla="*/ 1428 h 21600"/>
+                  <a:gd name="T12" fmla="*/ 18256 w 21600"/>
+                  <a:gd name="T13" fmla="*/ 2800 h 21600"/>
+                  <a:gd name="T14" fmla="*/ 1645 w 21600"/>
+                  <a:gd name="T15" fmla="*/ 1428 h 21600"/>
+                  <a:gd name="T16" fmla="*/ 21600 w 21600"/>
+                  <a:gd name="T17" fmla="*/ 0 h 21600"/>
+                  <a:gd name="T18" fmla="*/ 10800 w 21600"/>
+                  <a:gd name="T19" fmla="*/ 0 h 21600"/>
+                  <a:gd name="T20" fmla="*/ 0 w 21600"/>
+                  <a:gd name="T21" fmla="*/ 10800 h 21600"/>
+                  <a:gd name="T22" fmla="*/ 21600 w 21600"/>
+                  <a:gd name="T23" fmla="*/ 10800 h 21600"/>
+                  <a:gd name="T24" fmla="*/ 1645 w 21600"/>
+                  <a:gd name="T25" fmla="*/ 4171 h 21600"/>
+                  <a:gd name="T26" fmla="*/ 16522 w 21600"/>
+                  <a:gd name="T27" fmla="*/ 17314 h 21600"/>
+                </a:gdLst>
+                <a:ahLst/>
+                <a:cxnLst>
+                  <a:cxn ang="0">
+                    <a:pos x="T0" y="T1"/>
+                  </a:cxn>
+                  <a:cxn ang="0">
+                    <a:pos x="T2" y="T3"/>
+                  </a:cxn>
+                  <a:cxn ang="0">
+                    <a:pos x="T4" y="T5"/>
+                  </a:cxn>
+                  <a:cxn ang="0">
+                    <a:pos x="T6" y="T7"/>
+                  </a:cxn>
+                  <a:cxn ang="0">
+                    <a:pos x="T8" y="T9"/>
+                  </a:cxn>
+                  <a:cxn ang="0">
+                    <a:pos x="T10" y="T11"/>
+                  </a:cxn>
+                  <a:cxn ang="0">
+                    <a:pos x="T12" y="T13"/>
+                  </a:cxn>
+                  <a:cxn ang="0">
+                    <a:pos x="T14" y="T15"/>
+                  </a:cxn>
+                  <a:cxn ang="0">
+                    <a:pos x="T16" y="T17"/>
+                  </a:cxn>
+                  <a:cxn ang="0">
+                    <a:pos x="T18" y="T19"/>
+                  </a:cxn>
+                  <a:cxn ang="0">
+                    <a:pos x="T20" y="T21"/>
+                  </a:cxn>
+                  <a:cxn ang="0">
+                    <a:pos x="T22" y="T23"/>
+                  </a:cxn>
+                </a:cxnLst>
+                <a:rect l="T24" t="T25" r="T26" b="T27"/>
+                <a:pathLst>
+                  <a:path w="21600" h="21600" extrusionOk="0">
+                    <a:moveTo>
+                      <a:pt x="0" y="18014"/>
+                    </a:moveTo>
+                    <a:lnTo>
+                      <a:pt x="0" y="2800"/>
+                    </a:lnTo>
+                    <a:lnTo>
+                      <a:pt x="1645" y="2800"/>
+                    </a:lnTo>
+                    <a:lnTo>
+                      <a:pt x="1645" y="1428"/>
+                    </a:lnTo>
+                    <a:lnTo>
+                      <a:pt x="3468" y="1428"/>
+                    </a:lnTo>
+                    <a:lnTo>
+                      <a:pt x="3468" y="0"/>
+                    </a:lnTo>
+                    <a:lnTo>
+                      <a:pt x="21653" y="0"/>
+                    </a:lnTo>
+                    <a:lnTo>
+                      <a:pt x="21653" y="18828"/>
+                    </a:lnTo>
+                    <a:lnTo>
+                      <a:pt x="19954" y="18828"/>
+                    </a:lnTo>
+                    <a:lnTo>
+                      <a:pt x="19954" y="20214"/>
+                    </a:lnTo>
+                    <a:lnTo>
+                      <a:pt x="18256" y="20214"/>
+                    </a:lnTo>
+                    <a:lnTo>
+                      <a:pt x="18256" y="21600"/>
+                    </a:lnTo>
+                    <a:lnTo>
+                      <a:pt x="4434" y="21600"/>
+                    </a:lnTo>
+                    <a:lnTo>
+                      <a:pt x="0" y="18014"/>
+                    </a:lnTo>
+                    <a:close/>
+                  </a:path>
+                  <a:path w="21600" h="21600" extrusionOk="0">
+                    <a:moveTo>
+                      <a:pt x="3486" y="1428"/>
+                    </a:moveTo>
+                    <a:lnTo>
+                      <a:pt x="19954" y="1428"/>
+                    </a:lnTo>
+                    <a:lnTo>
+                      <a:pt x="19954" y="20214"/>
+                    </a:lnTo>
+                    <a:lnTo>
+                      <a:pt x="18256" y="20214"/>
+                    </a:lnTo>
+                    <a:lnTo>
+                      <a:pt x="18256" y="2800"/>
+                    </a:lnTo>
+                    <a:lnTo>
+                      <a:pt x="1645" y="2800"/>
+                    </a:lnTo>
+                    <a:lnTo>
+                      <a:pt x="1645" y="1428"/>
+                    </a:lnTo>
+                    <a:lnTo>
+                      <a:pt x="3486" y="1428"/>
+                    </a:lnTo>
+                    <a:close/>
+                  </a:path>
+                  <a:path w="21600" h="21600" extrusionOk="0">
+                    <a:moveTo>
+                      <a:pt x="0" y="18014"/>
+                    </a:moveTo>
+                    <a:lnTo>
+                      <a:pt x="4434" y="18000"/>
+                    </a:lnTo>
+                    <a:lnTo>
+                      <a:pt x="4434" y="21600"/>
+                    </a:lnTo>
+                    <a:lnTo>
+                      <a:pt x="0" y="18014"/>
+                    </a:lnTo>
+                    <a:close/>
+                  </a:path>
+                </a:pathLst>
+              </a:custGeom>
+              <a:ln>
+                <a:headEnd/>
+                <a:tailEnd/>
+              </a:ln>
+            </p:spPr>
+            <p:style>
+              <a:lnRef idx="2">
+                <a:schemeClr val="dk1"/>
+              </a:lnRef>
+              <a:fillRef idx="1">
+                <a:schemeClr val="lt1"/>
+              </a:fillRef>
+              <a:effectRef idx="0">
+                <a:schemeClr val="dk1"/>
+              </a:effectRef>
+              <a:fontRef idx="minor">
+                <a:schemeClr val="dk1"/>
+              </a:fontRef>
+            </p:style>
+            <p:txBody>
+              <a:bodyPr vert="horz" wrap="square" lIns="91440" tIns="45720" rIns="91440" bIns="45720" numCol="1" anchor="t" anchorCtr="0" compatLnSpc="1">
+                <a:prstTxWarp prst="textNoShape">
+                  <a:avLst/>
+                </a:prstTxWarp>
+              </a:bodyPr>
+              <a:lstStyle/>
+              <a:p>
+                <a:endParaRPr lang="de-CH"/>
+              </a:p>
+            </p:txBody>
+          </p:sp>
+          <p:sp>
+            <p:nvSpPr>
+              <p:cNvPr id="32" name="Textfeld 31"/>
+              <p:cNvSpPr txBox="1"/>
+              <p:nvPr/>
+            </p:nvSpPr>
+            <p:spPr>
+              <a:xfrm>
+                <a:off x="7201376" y="2064852"/>
+                <a:ext cx="849593" cy="369332"/>
+              </a:xfrm>
+              <a:prstGeom prst="rect">
+                <a:avLst/>
+              </a:prstGeom>
+              <a:noFill/>
+            </p:spPr>
+            <p:txBody>
+              <a:bodyPr wrap="none" rtlCol="0">
+                <a:spAutoFit/>
+              </a:bodyPr>
+              <a:lstStyle/>
+              <a:p>
+                <a:pPr algn="ctr"/>
+                <a:r>
+                  <a:rPr lang="de-CH" dirty="0" smtClean="0"/>
+                  <a:t>Images</a:t>
+                </a:r>
+                <a:endParaRPr lang="de-CH" dirty="0"/>
+              </a:p>
+            </p:txBody>
+          </p:sp>
+          <p:sp>
+            <p:nvSpPr>
+              <p:cNvPr id="34" name="Nach unten gekrümmter Pfeil 33"/>
+              <p:cNvSpPr/>
+              <p:nvPr/>
+            </p:nvSpPr>
+            <p:spPr>
+              <a:xfrm>
+                <a:off x="5730000" y="467259"/>
+                <a:ext cx="950505" cy="576064"/>
+              </a:xfrm>
+              <a:prstGeom prst="curvedDownArrow">
+                <a:avLst/>
+              </a:prstGeom>
+            </p:spPr>
+            <p:style>
+              <a:lnRef idx="2">
+                <a:schemeClr val="accent1">
+                  <a:shade val="50000"/>
+                </a:schemeClr>
+              </a:lnRef>
+              <a:fillRef idx="1">
+                <a:schemeClr val="accent1"/>
+              </a:fillRef>
+              <a:effectRef idx="0">
+                <a:schemeClr val="accent1"/>
+              </a:effectRef>
+              <a:fontRef idx="minor">
+                <a:schemeClr val="lt1"/>
+              </a:fontRef>
+            </p:style>
+            <p:txBody>
+              <a:bodyPr rtlCol="0" anchor="ctr"/>
+              <a:lstStyle/>
+              <a:p>
+                <a:pPr algn="ctr"/>
+                <a:endParaRPr lang="de-CH">
+                  <a:solidFill>
+                    <a:schemeClr val="tx1"/>
+                  </a:solidFill>
+                </a:endParaRPr>
+              </a:p>
+            </p:txBody>
+          </p:sp>
+          <p:sp>
+            <p:nvSpPr>
+              <p:cNvPr id="43" name="Nach unten gekrümmter Pfeil 42"/>
+              <p:cNvSpPr/>
+              <p:nvPr/>
+            </p:nvSpPr>
+            <p:spPr>
+              <a:xfrm>
+                <a:off x="6796059" y="457737"/>
+                <a:ext cx="950505" cy="576064"/>
+              </a:xfrm>
+              <a:prstGeom prst="curvedDownArrow">
+                <a:avLst/>
+              </a:prstGeom>
+            </p:spPr>
+            <p:style>
+              <a:lnRef idx="2">
+                <a:schemeClr val="accent1">
+                  <a:shade val="50000"/>
+                </a:schemeClr>
+              </a:lnRef>
+              <a:fillRef idx="1">
+                <a:schemeClr val="accent1"/>
+              </a:fillRef>
+              <a:effectRef idx="0">
+                <a:schemeClr val="accent1"/>
+              </a:effectRef>
+              <a:fontRef idx="minor">
+                <a:schemeClr val="lt1"/>
+              </a:fontRef>
+            </p:style>
+            <p:txBody>
+              <a:bodyPr rtlCol="0" anchor="ctr"/>
+              <a:lstStyle/>
+              <a:p>
+                <a:pPr algn="ctr"/>
+                <a:endParaRPr lang="de-CH">
+                  <a:solidFill>
+                    <a:schemeClr val="tx1"/>
+                  </a:solidFill>
+                </a:endParaRPr>
+              </a:p>
+            </p:txBody>
+          </p:sp>
+        </p:grpSp>
+        <p:sp>
+          <p:nvSpPr>
+            <p:cNvPr id="38" name="Textfeld 37"/>
+            <p:cNvSpPr txBox="1"/>
+            <p:nvPr/>
+          </p:nvSpPr>
+          <p:spPr>
+            <a:xfrm>
+              <a:off x="5720494" y="88405"/>
+              <a:ext cx="922368" cy="369332"/>
+            </a:xfrm>
+            <a:prstGeom prst="rect">
+              <a:avLst/>
+            </a:prstGeom>
+            <a:noFill/>
+          </p:spPr>
+          <p:txBody>
+            <a:bodyPr wrap="none" rtlCol="0">
+              <a:spAutoFit/>
+            </a:bodyPr>
+            <a:lstStyle/>
+            <a:p>
+              <a:r>
+                <a:rPr lang="de-CH" dirty="0" err="1" smtClean="0"/>
+                <a:t>Convert</a:t>
+              </a:r>
+              <a:endParaRPr lang="de-CH" dirty="0"/>
+            </a:p>
+          </p:txBody>
+        </p:sp>
+        <p:sp>
+          <p:nvSpPr>
+            <p:cNvPr id="42" name="Textfeld 41"/>
+            <p:cNvSpPr txBox="1"/>
+            <p:nvPr/>
+          </p:nvSpPr>
+          <p:spPr>
+            <a:xfrm>
+              <a:off x="6853985" y="88405"/>
+              <a:ext cx="834652" cy="369332"/>
+            </a:xfrm>
+            <a:prstGeom prst="rect">
+              <a:avLst/>
+            </a:prstGeom>
+            <a:noFill/>
+          </p:spPr>
+          <p:txBody>
+            <a:bodyPr wrap="none" rtlCol="0">
+              <a:spAutoFit/>
+            </a:bodyPr>
+            <a:lstStyle/>
+            <a:p>
+              <a:r>
+                <a:rPr lang="de-CH" dirty="0" err="1" smtClean="0"/>
+                <a:t>Extract</a:t>
+              </a:r>
+              <a:endParaRPr lang="de-CH" dirty="0"/>
+            </a:p>
+          </p:txBody>
+        </p:sp>
+      </p:grpSp>
+      <p:grpSp>
+        <p:nvGrpSpPr>
+          <p:cNvPr id="14" name="Gruppieren 13"/>
+          <p:cNvGrpSpPr/>
+          <p:nvPr/>
+        </p:nvGrpSpPr>
+        <p:grpSpPr>
+          <a:xfrm>
+            <a:off x="5463327" y="328591"/>
+            <a:ext cx="3425644" cy="1588241"/>
+            <a:chOff x="5434110" y="4829309"/>
+            <a:chExt cx="3425644" cy="1588241"/>
+          </a:xfrm>
+        </p:grpSpPr>
+        <p:sp>
+          <p:nvSpPr>
+            <p:cNvPr id="36" name="Textfeld 35"/>
+            <p:cNvSpPr txBox="1"/>
+            <p:nvPr/>
+          </p:nvSpPr>
+          <p:spPr>
+            <a:xfrm>
+              <a:off x="5434110" y="5771219"/>
+              <a:ext cx="1449628" cy="646331"/>
+            </a:xfrm>
+            <a:prstGeom prst="rect">
+              <a:avLst/>
+            </a:prstGeom>
+            <a:noFill/>
+          </p:spPr>
+          <p:txBody>
+            <a:bodyPr wrap="none" rtlCol="0">
+              <a:spAutoFit/>
+            </a:bodyPr>
+            <a:lstStyle/>
+            <a:p>
+              <a:pPr algn="ctr"/>
+              <a:r>
+                <a:rPr lang="de-CH" dirty="0" smtClean="0"/>
+                <a:t>Project Notes</a:t>
+              </a:r>
+            </a:p>
+            <a:p>
+              <a:pPr algn="ctr"/>
+              <a:r>
+                <a:rPr lang="de-CH" dirty="0" smtClean="0"/>
+                <a:t>Metainfos</a:t>
+              </a:r>
+              <a:endParaRPr lang="de-CH" dirty="0" smtClean="0"/>
+            </a:p>
+          </p:txBody>
+        </p:sp>
+        <p:sp>
+          <p:nvSpPr>
+            <p:cNvPr id="37" name="Document"/>
+            <p:cNvSpPr>
+              <a:spLocks noEditPoints="1" noChangeArrowheads="1"/>
+            </p:cNvSpPr>
+            <p:nvPr/>
+          </p:nvSpPr>
+          <p:spPr bwMode="auto">
+            <a:xfrm>
+              <a:off x="5830381" y="4829309"/>
+              <a:ext cx="657082" cy="879194"/>
+            </a:xfrm>
+            <a:custGeom>
+              <a:avLst/>
+              <a:gdLst>
+                <a:gd name="T0" fmla="*/ 10757 w 21600"/>
+                <a:gd name="T1" fmla="*/ 21632 h 21600"/>
+                <a:gd name="T2" fmla="*/ 85 w 21600"/>
+                <a:gd name="T3" fmla="*/ 10849 h 21600"/>
+                <a:gd name="T4" fmla="*/ 10757 w 21600"/>
+                <a:gd name="T5" fmla="*/ 81 h 21600"/>
+                <a:gd name="T6" fmla="*/ 21706 w 21600"/>
+                <a:gd name="T7" fmla="*/ 10652 h 21600"/>
+                <a:gd name="T8" fmla="*/ 10757 w 21600"/>
+                <a:gd name="T9" fmla="*/ 21632 h 21600"/>
+                <a:gd name="T10" fmla="*/ 0 w 21600"/>
+                <a:gd name="T11" fmla="*/ 0 h 21600"/>
+                <a:gd name="T12" fmla="*/ 21600 w 21600"/>
+                <a:gd name="T13" fmla="*/ 0 h 21600"/>
+                <a:gd name="T14" fmla="*/ 21600 w 21600"/>
+                <a:gd name="T15" fmla="*/ 21600 h 21600"/>
+                <a:gd name="T16" fmla="*/ 977 w 21600"/>
+                <a:gd name="T17" fmla="*/ 818 h 21600"/>
+                <a:gd name="T18" fmla="*/ 20622 w 21600"/>
+                <a:gd name="T19" fmla="*/ 16429 h 21600"/>
+              </a:gdLst>
+              <a:ahLst/>
+              <a:cxnLst>
+                <a:cxn ang="0">
+                  <a:pos x="T0" y="T1"/>
+                </a:cxn>
+                <a:cxn ang="0">
+                  <a:pos x="T2" y="T3"/>
+                </a:cxn>
+                <a:cxn ang="0">
+                  <a:pos x="T4" y="T5"/>
+                </a:cxn>
+                <a:cxn ang="0">
+                  <a:pos x="T6" y="T7"/>
+                </a:cxn>
+                <a:cxn ang="0">
+                  <a:pos x="T8" y="T9"/>
+                </a:cxn>
+                <a:cxn ang="0">
+                  <a:pos x="T10" y="T11"/>
+                </a:cxn>
+                <a:cxn ang="0">
+                  <a:pos x="T12" y="T13"/>
+                </a:cxn>
+                <a:cxn ang="0">
+                  <a:pos x="T14" y="T15"/>
+                </a:cxn>
+              </a:cxnLst>
+              <a:rect l="T16" t="T17" r="T18" b="T19"/>
+              <a:pathLst>
+                <a:path w="21600" h="21600">
+                  <a:moveTo>
+                    <a:pt x="10757" y="21632"/>
+                  </a:moveTo>
+                  <a:lnTo>
+                    <a:pt x="5187" y="21632"/>
+                  </a:lnTo>
+                  <a:lnTo>
+                    <a:pt x="85" y="17509"/>
+                  </a:lnTo>
+                  <a:lnTo>
+                    <a:pt x="85" y="10849"/>
+                  </a:lnTo>
+                  <a:lnTo>
+                    <a:pt x="85" y="81"/>
+                  </a:lnTo>
+                  <a:lnTo>
+                    <a:pt x="10757" y="81"/>
+                  </a:lnTo>
+                  <a:lnTo>
+                    <a:pt x="21706" y="81"/>
+                  </a:lnTo>
+                  <a:lnTo>
+                    <a:pt x="21706" y="10652"/>
+                  </a:lnTo>
+                  <a:lnTo>
+                    <a:pt x="21706" y="21632"/>
+                  </a:lnTo>
+                  <a:lnTo>
+                    <a:pt x="10757" y="21632"/>
+                  </a:lnTo>
+                  <a:close/>
+                </a:path>
+                <a:path w="21600" h="21600">
+                  <a:moveTo>
+                    <a:pt x="85" y="17509"/>
+                  </a:moveTo>
+                  <a:lnTo>
+                    <a:pt x="5187" y="17509"/>
+                  </a:lnTo>
+                  <a:lnTo>
+                    <a:pt x="5187" y="21632"/>
+                  </a:lnTo>
+                  <a:lnTo>
+                    <a:pt x="85" y="17509"/>
+                  </a:lnTo>
+                  <a:close/>
+                </a:path>
+              </a:pathLst>
+            </a:custGeom>
+            <a:ln>
+              <a:headEnd/>
+              <a:tailEnd/>
+            </a:ln>
+          </p:spPr>
+          <p:style>
+            <a:lnRef idx="2">
+              <a:schemeClr val="accent6">
+                <a:shade val="50000"/>
+              </a:schemeClr>
+            </a:lnRef>
+            <a:fillRef idx="1">
+              <a:schemeClr val="accent6"/>
+            </a:fillRef>
+            <a:effectRef idx="0">
+              <a:schemeClr val="accent6"/>
+            </a:effectRef>
+            <a:fontRef idx="minor">
+              <a:schemeClr val="lt1"/>
+            </a:fontRef>
+          </p:style>
+          <p:txBody>
+            <a:bodyPr vert="horz" wrap="square" lIns="91440" tIns="45720" rIns="91440" bIns="45720" numCol="1" anchor="t" anchorCtr="0" compatLnSpc="1">
+              <a:prstTxWarp prst="textNoShape">
+                <a:avLst/>
+              </a:prstTxWarp>
+            </a:bodyPr>
+            <a:lstStyle/>
+            <a:p>
+              <a:endParaRPr lang="de-CH"/>
+            </a:p>
+          </p:txBody>
+        </p:sp>
+        <p:sp>
+          <p:nvSpPr>
+            <p:cNvPr id="47" name="Textfeld 46"/>
+            <p:cNvSpPr txBox="1"/>
+            <p:nvPr/>
+          </p:nvSpPr>
+          <p:spPr>
+            <a:xfrm>
+              <a:off x="7185193" y="5771219"/>
+              <a:ext cx="1674561" cy="646331"/>
+            </a:xfrm>
+            <a:prstGeom prst="rect">
+              <a:avLst/>
+            </a:prstGeom>
+            <a:noFill/>
+          </p:spPr>
+          <p:txBody>
+            <a:bodyPr wrap="none" rtlCol="0">
+              <a:spAutoFit/>
+            </a:bodyPr>
+            <a:lstStyle/>
+            <a:p>
+              <a:pPr algn="ctr"/>
+              <a:r>
+                <a:rPr lang="de-CH" dirty="0" smtClean="0"/>
+                <a:t>Project Notes</a:t>
+              </a:r>
+            </a:p>
+            <a:p>
+              <a:pPr algn="ctr"/>
+              <a:r>
+                <a:rPr lang="de-CH" dirty="0" err="1" smtClean="0"/>
+                <a:t>aggregation</a:t>
+              </a:r>
+              <a:r>
+                <a:rPr lang="de-CH" dirty="0" smtClean="0"/>
+                <a:t> </a:t>
+              </a:r>
+              <a:r>
+                <a:rPr lang="de-CH" dirty="0" smtClean="0"/>
+                <a:t>File</a:t>
+              </a:r>
+              <a:endParaRPr lang="de-CH" dirty="0" smtClean="0"/>
+            </a:p>
+          </p:txBody>
+        </p:sp>
+        <p:sp>
+          <p:nvSpPr>
+            <p:cNvPr id="48" name="Document"/>
+            <p:cNvSpPr>
+              <a:spLocks noEditPoints="1" noChangeArrowheads="1"/>
+            </p:cNvSpPr>
+            <p:nvPr/>
+          </p:nvSpPr>
+          <p:spPr bwMode="auto">
+            <a:xfrm>
+              <a:off x="7693930" y="4829309"/>
+              <a:ext cx="657082" cy="879194"/>
+            </a:xfrm>
+            <a:custGeom>
+              <a:avLst/>
+              <a:gdLst>
+                <a:gd name="T0" fmla="*/ 10757 w 21600"/>
+                <a:gd name="T1" fmla="*/ 21632 h 21600"/>
+                <a:gd name="T2" fmla="*/ 85 w 21600"/>
+                <a:gd name="T3" fmla="*/ 10849 h 21600"/>
+                <a:gd name="T4" fmla="*/ 10757 w 21600"/>
+                <a:gd name="T5" fmla="*/ 81 h 21600"/>
+                <a:gd name="T6" fmla="*/ 21706 w 21600"/>
+                <a:gd name="T7" fmla="*/ 10652 h 21600"/>
+                <a:gd name="T8" fmla="*/ 10757 w 21600"/>
+                <a:gd name="T9" fmla="*/ 21632 h 21600"/>
+                <a:gd name="T10" fmla="*/ 0 w 21600"/>
+                <a:gd name="T11" fmla="*/ 0 h 21600"/>
+                <a:gd name="T12" fmla="*/ 21600 w 21600"/>
+                <a:gd name="T13" fmla="*/ 0 h 21600"/>
+                <a:gd name="T14" fmla="*/ 21600 w 21600"/>
+                <a:gd name="T15" fmla="*/ 21600 h 21600"/>
+                <a:gd name="T16" fmla="*/ 977 w 21600"/>
+                <a:gd name="T17" fmla="*/ 818 h 21600"/>
+                <a:gd name="T18" fmla="*/ 20622 w 21600"/>
+                <a:gd name="T19" fmla="*/ 16429 h 21600"/>
+              </a:gdLst>
+              <a:ahLst/>
+              <a:cxnLst>
+                <a:cxn ang="0">
+                  <a:pos x="T0" y="T1"/>
+                </a:cxn>
+                <a:cxn ang="0">
+                  <a:pos x="T2" y="T3"/>
+                </a:cxn>
+                <a:cxn ang="0">
+                  <a:pos x="T4" y="T5"/>
+                </a:cxn>
+                <a:cxn ang="0">
+                  <a:pos x="T6" y="T7"/>
+                </a:cxn>
+                <a:cxn ang="0">
+                  <a:pos x="T8" y="T9"/>
+                </a:cxn>
+                <a:cxn ang="0">
+                  <a:pos x="T10" y="T11"/>
+                </a:cxn>
+                <a:cxn ang="0">
+                  <a:pos x="T12" y="T13"/>
+                </a:cxn>
+                <a:cxn ang="0">
+                  <a:pos x="T14" y="T15"/>
+                </a:cxn>
+              </a:cxnLst>
+              <a:rect l="T16" t="T17" r="T18" b="T19"/>
+              <a:pathLst>
+                <a:path w="21600" h="21600">
+                  <a:moveTo>
+                    <a:pt x="10757" y="21632"/>
+                  </a:moveTo>
+                  <a:lnTo>
+                    <a:pt x="5187" y="21632"/>
+                  </a:lnTo>
+                  <a:lnTo>
+                    <a:pt x="85" y="17509"/>
+                  </a:lnTo>
+                  <a:lnTo>
+                    <a:pt x="85" y="10849"/>
+                  </a:lnTo>
+                  <a:lnTo>
+                    <a:pt x="85" y="81"/>
+                  </a:lnTo>
+                  <a:lnTo>
+                    <a:pt x="10757" y="81"/>
+                  </a:lnTo>
+                  <a:lnTo>
+                    <a:pt x="21706" y="81"/>
+                  </a:lnTo>
+                  <a:lnTo>
+                    <a:pt x="21706" y="10652"/>
+                  </a:lnTo>
+                  <a:lnTo>
+                    <a:pt x="21706" y="21632"/>
+                  </a:lnTo>
+                  <a:lnTo>
+                    <a:pt x="10757" y="21632"/>
+                  </a:lnTo>
+                  <a:close/>
+                </a:path>
+                <a:path w="21600" h="21600">
+                  <a:moveTo>
+                    <a:pt x="85" y="17509"/>
+                  </a:moveTo>
+                  <a:lnTo>
+                    <a:pt x="5187" y="17509"/>
+                  </a:lnTo>
+                  <a:lnTo>
+                    <a:pt x="5187" y="21632"/>
+                  </a:lnTo>
+                  <a:lnTo>
+                    <a:pt x="85" y="17509"/>
+                  </a:lnTo>
+                  <a:close/>
+                </a:path>
+              </a:pathLst>
+            </a:custGeom>
+            <a:ln>
+              <a:headEnd/>
+              <a:tailEnd/>
+            </a:ln>
+          </p:spPr>
+          <p:style>
+            <a:lnRef idx="2">
+              <a:schemeClr val="dk1"/>
+            </a:lnRef>
+            <a:fillRef idx="1">
+              <a:schemeClr val="lt1"/>
+            </a:fillRef>
+            <a:effectRef idx="0">
+              <a:schemeClr val="dk1"/>
+            </a:effectRef>
+            <a:fontRef idx="minor">
+              <a:schemeClr val="dk1"/>
+            </a:fontRef>
+          </p:style>
+          <p:txBody>
+            <a:bodyPr vert="horz" wrap="square" lIns="91440" tIns="45720" rIns="91440" bIns="45720" numCol="1" anchor="t" anchorCtr="0" compatLnSpc="1">
+              <a:prstTxWarp prst="textNoShape">
+                <a:avLst/>
+              </a:prstTxWarp>
+            </a:bodyPr>
+            <a:lstStyle/>
+            <a:p>
+              <a:endParaRPr lang="de-CH"/>
+            </a:p>
+          </p:txBody>
+        </p:sp>
+      </p:grpSp>
+      <p:grpSp>
+        <p:nvGrpSpPr>
+          <p:cNvPr id="3" name="Gruppieren 2"/>
+          <p:cNvGrpSpPr/>
+          <p:nvPr/>
+        </p:nvGrpSpPr>
+        <p:grpSpPr>
+          <a:xfrm>
+            <a:off x="31558" y="4239262"/>
+            <a:ext cx="2960272" cy="2438609"/>
+            <a:chOff x="5856660" y="643827"/>
+            <a:chExt cx="2960272" cy="2438609"/>
+          </a:xfrm>
+        </p:grpSpPr>
+        <p:pic>
+          <p:nvPicPr>
+            <p:cNvPr id="1026" name="Picture 2" descr="C:\Users\Lukas Elmer\AppData\Local\Microsoft\Windows\Temporary Internet Files\Content.IE5\6Z2H4EIO\MC900434845[1].png"/>
+            <p:cNvPicPr>
+              <a:picLocks noChangeAspect="1" noChangeArrowheads="1"/>
+            </p:cNvPicPr>
+            <p:nvPr/>
+          </p:nvPicPr>
+          <p:blipFill>
+            <a:blip r:embed="rId2">
+              <a:extLst>
+                <a:ext uri="{28A0092B-C50C-407E-A947-70E740481C1C}">
+                  <a14:useLocalDpi xmlns:a14="http://schemas.microsoft.com/office/drawing/2010/main" val="0"/>
+                </a:ext>
+              </a:extLst>
+            </a:blip>
+            <a:srcRect/>
+            <a:stretch>
+              <a:fillRect/>
+            </a:stretch>
+          </p:blipFill>
+          <p:spPr bwMode="auto">
+            <a:xfrm>
+              <a:off x="5898237" y="643827"/>
+              <a:ext cx="1688644" cy="1688644"/>
+            </a:xfrm>
+            <a:prstGeom prst="rect">
+              <a:avLst/>
+            </a:prstGeom>
+            <a:noFill/>
+            <a:extLst>
+              <a:ext uri="{909E8E84-426E-40DD-AFC4-6F175D3DCCD1}">
+                <a14:hiddenFill xmlns:a14="http://schemas.microsoft.com/office/drawing/2010/main">
+                  <a:solidFill>
+                    <a:srgbClr val="FFFFFF"/>
+                  </a:solidFill>
+                </a14:hiddenFill>
+              </a:ext>
+            </a:extLst>
+          </p:spPr>
+        </p:pic>
+        <p:sp>
+          <p:nvSpPr>
+            <p:cNvPr id="4" name="Textfeld 3"/>
+            <p:cNvSpPr txBox="1"/>
+            <p:nvPr/>
+          </p:nvSpPr>
+          <p:spPr>
+            <a:xfrm>
+              <a:off x="5856660" y="2436105"/>
+              <a:ext cx="1992981" cy="646331"/>
+            </a:xfrm>
+            <a:prstGeom prst="rect">
+              <a:avLst/>
+            </a:prstGeom>
+            <a:noFill/>
+          </p:spPr>
+          <p:txBody>
+            <a:bodyPr wrap="none" rtlCol="0">
+              <a:spAutoFit/>
+            </a:bodyPr>
+            <a:lstStyle/>
+            <a:p>
+              <a:pPr algn="ctr"/>
+              <a:r>
+                <a:rPr lang="de-CH" dirty="0" smtClean="0"/>
+                <a:t>Webserver</a:t>
+              </a:r>
+            </a:p>
+            <a:p>
+              <a:pPr algn="ctr"/>
+              <a:r>
+                <a:rPr lang="de-CH" dirty="0" smtClean="0">
+                  <a:hlinkClick r:id="rId3"/>
+                </a:rPr>
+                <a:t>http://zuehlke.com</a:t>
+              </a:r>
+              <a:endParaRPr lang="de-CH" dirty="0"/>
+            </a:p>
+          </p:txBody>
+        </p:sp>
+        <p:sp>
+          <p:nvSpPr>
+            <p:cNvPr id="5" name="Documents"/>
+            <p:cNvSpPr>
+              <a:spLocks noEditPoints="1" noChangeArrowheads="1"/>
+            </p:cNvSpPr>
+            <p:nvPr/>
+          </p:nvSpPr>
+          <p:spPr bwMode="auto">
+            <a:xfrm>
+              <a:off x="7578015" y="689787"/>
+              <a:ext cx="996625" cy="1333512"/>
+            </a:xfrm>
+            <a:custGeom>
+              <a:avLst/>
+              <a:gdLst>
+                <a:gd name="T0" fmla="*/ 0 w 21600"/>
+                <a:gd name="T1" fmla="*/ 2800 h 21600"/>
+                <a:gd name="T2" fmla="*/ 3468 w 21600"/>
+                <a:gd name="T3" fmla="*/ 0 h 21600"/>
+                <a:gd name="T4" fmla="*/ 21653 w 21600"/>
+                <a:gd name="T5" fmla="*/ 18828 h 21600"/>
+                <a:gd name="T6" fmla="*/ 19954 w 21600"/>
+                <a:gd name="T7" fmla="*/ 20214 h 21600"/>
+                <a:gd name="T8" fmla="*/ 18256 w 21600"/>
+                <a:gd name="T9" fmla="*/ 21628 h 21600"/>
+                <a:gd name="T10" fmla="*/ 19954 w 21600"/>
+                <a:gd name="T11" fmla="*/ 1428 h 21600"/>
+                <a:gd name="T12" fmla="*/ 18256 w 21600"/>
+                <a:gd name="T13" fmla="*/ 2800 h 21600"/>
+                <a:gd name="T14" fmla="*/ 1645 w 21600"/>
+                <a:gd name="T15" fmla="*/ 1428 h 21600"/>
+                <a:gd name="T16" fmla="*/ 21600 w 21600"/>
+                <a:gd name="T17" fmla="*/ 0 h 21600"/>
+                <a:gd name="T18" fmla="*/ 10800 w 21600"/>
+                <a:gd name="T19" fmla="*/ 0 h 21600"/>
+                <a:gd name="T20" fmla="*/ 0 w 21600"/>
+                <a:gd name="T21" fmla="*/ 10800 h 21600"/>
+                <a:gd name="T22" fmla="*/ 21600 w 21600"/>
+                <a:gd name="T23" fmla="*/ 10800 h 21600"/>
+                <a:gd name="T24" fmla="*/ 1645 w 21600"/>
+                <a:gd name="T25" fmla="*/ 4171 h 21600"/>
+                <a:gd name="T26" fmla="*/ 16522 w 21600"/>
+                <a:gd name="T27" fmla="*/ 17314 h 21600"/>
+              </a:gdLst>
+              <a:ahLst/>
+              <a:cxnLst>
+                <a:cxn ang="0">
+                  <a:pos x="T0" y="T1"/>
+                </a:cxn>
+                <a:cxn ang="0">
+                  <a:pos x="T2" y="T3"/>
+                </a:cxn>
+                <a:cxn ang="0">
+                  <a:pos x="T4" y="T5"/>
+                </a:cxn>
+                <a:cxn ang="0">
+                  <a:pos x="T6" y="T7"/>
+                </a:cxn>
+                <a:cxn ang="0">
+                  <a:pos x="T8" y="T9"/>
+                </a:cxn>
+                <a:cxn ang="0">
+                  <a:pos x="T10" y="T11"/>
+                </a:cxn>
+                <a:cxn ang="0">
+                  <a:pos x="T12" y="T13"/>
+                </a:cxn>
+                <a:cxn ang="0">
+                  <a:pos x="T14" y="T15"/>
+                </a:cxn>
+                <a:cxn ang="0">
+                  <a:pos x="T16" y="T17"/>
+                </a:cxn>
+                <a:cxn ang="0">
+                  <a:pos x="T18" y="T19"/>
+                </a:cxn>
+                <a:cxn ang="0">
+                  <a:pos x="T20" y="T21"/>
+                </a:cxn>
+                <a:cxn ang="0">
+                  <a:pos x="T22" y="T23"/>
+                </a:cxn>
+              </a:cxnLst>
+              <a:rect l="T24" t="T25" r="T26" b="T27"/>
+              <a:pathLst>
+                <a:path w="21600" h="21600" extrusionOk="0">
+                  <a:moveTo>
+                    <a:pt x="0" y="18014"/>
+                  </a:moveTo>
+                  <a:lnTo>
+                    <a:pt x="0" y="2800"/>
+                  </a:lnTo>
+                  <a:lnTo>
+                    <a:pt x="1645" y="2800"/>
+                  </a:lnTo>
+                  <a:lnTo>
+                    <a:pt x="1645" y="1428"/>
+                  </a:lnTo>
+                  <a:lnTo>
+                    <a:pt x="3468" y="1428"/>
+                  </a:lnTo>
+                  <a:lnTo>
+                    <a:pt x="3468" y="0"/>
+                  </a:lnTo>
+                  <a:lnTo>
+                    <a:pt x="21653" y="0"/>
+                  </a:lnTo>
+                  <a:lnTo>
+                    <a:pt x="21653" y="18828"/>
+                  </a:lnTo>
+                  <a:lnTo>
+                    <a:pt x="19954" y="18828"/>
+                  </a:lnTo>
+                  <a:lnTo>
+                    <a:pt x="19954" y="20214"/>
+                  </a:lnTo>
+                  <a:lnTo>
+                    <a:pt x="18256" y="20214"/>
+                  </a:lnTo>
+                  <a:lnTo>
+                    <a:pt x="18256" y="21600"/>
+                  </a:lnTo>
+                  <a:lnTo>
+                    <a:pt x="4434" y="21600"/>
+                  </a:lnTo>
+                  <a:lnTo>
+                    <a:pt x="0" y="18014"/>
+                  </a:lnTo>
+                  <a:close/>
+                </a:path>
+                <a:path w="21600" h="21600" extrusionOk="0">
+                  <a:moveTo>
+                    <a:pt x="3486" y="1428"/>
+                  </a:moveTo>
+                  <a:lnTo>
+                    <a:pt x="19954" y="1428"/>
+                  </a:lnTo>
+                  <a:lnTo>
+                    <a:pt x="19954" y="20214"/>
+                  </a:lnTo>
+                  <a:lnTo>
+                    <a:pt x="18256" y="20214"/>
+                  </a:lnTo>
+                  <a:lnTo>
+                    <a:pt x="18256" y="2800"/>
+                  </a:lnTo>
+                  <a:lnTo>
+                    <a:pt x="1645" y="2800"/>
+                  </a:lnTo>
+                  <a:lnTo>
+                    <a:pt x="1645" y="1428"/>
+                  </a:lnTo>
+                  <a:lnTo>
+                    <a:pt x="3486" y="1428"/>
+                  </a:lnTo>
+                  <a:close/>
+                </a:path>
+                <a:path w="21600" h="21600" extrusionOk="0">
+                  <a:moveTo>
+                    <a:pt x="0" y="18014"/>
+                  </a:moveTo>
+                  <a:lnTo>
+                    <a:pt x="4434" y="18000"/>
+                  </a:lnTo>
+                  <a:lnTo>
+                    <a:pt x="4434" y="21600"/>
+                  </a:lnTo>
+                  <a:lnTo>
+                    <a:pt x="0" y="18014"/>
+                  </a:lnTo>
+                  <a:close/>
+                </a:path>
+              </a:pathLst>
+            </a:custGeom>
+            <a:ln>
+              <a:headEnd/>
+              <a:tailEnd/>
+            </a:ln>
+          </p:spPr>
+          <p:style>
+            <a:lnRef idx="2">
+              <a:schemeClr val="accent1">
+                <a:shade val="50000"/>
+              </a:schemeClr>
+            </a:lnRef>
+            <a:fillRef idx="1">
+              <a:schemeClr val="accent1"/>
+            </a:fillRef>
+            <a:effectRef idx="0">
+              <a:schemeClr val="accent1"/>
+            </a:effectRef>
+            <a:fontRef idx="minor">
+              <a:schemeClr val="lt1"/>
+            </a:fontRef>
+          </p:style>
+          <p:txBody>
+            <a:bodyPr vert="horz" wrap="square" lIns="91440" tIns="45720" rIns="91440" bIns="45720" numCol="1" anchor="t" anchorCtr="0" compatLnSpc="1">
+              <a:prstTxWarp prst="textNoShape">
+                <a:avLst/>
+              </a:prstTxWarp>
+            </a:bodyPr>
+            <a:lstStyle/>
+            <a:p>
+              <a:endParaRPr lang="de-CH"/>
+            </a:p>
+          </p:txBody>
+        </p:sp>
+        <p:sp>
+          <p:nvSpPr>
+            <p:cNvPr id="6" name="Textfeld 5"/>
+            <p:cNvSpPr txBox="1"/>
+            <p:nvPr/>
+          </p:nvSpPr>
+          <p:spPr>
+            <a:xfrm>
+              <a:off x="7367304" y="1994565"/>
+              <a:ext cx="1449628" cy="646331"/>
+            </a:xfrm>
+            <a:prstGeom prst="rect">
+              <a:avLst/>
+            </a:prstGeom>
+            <a:noFill/>
+          </p:spPr>
+          <p:txBody>
+            <a:bodyPr wrap="none" rtlCol="0">
+              <a:spAutoFit/>
+            </a:bodyPr>
+            <a:lstStyle/>
+            <a:p>
+              <a:pPr algn="ctr"/>
+              <a:r>
+                <a:rPr lang="de-CH" dirty="0" smtClean="0"/>
+                <a:t>Project Notes</a:t>
+              </a:r>
+            </a:p>
+            <a:p>
+              <a:pPr algn="ctr"/>
+              <a:r>
+                <a:rPr lang="de-CH" dirty="0" smtClean="0"/>
+                <a:t>PDF</a:t>
+              </a:r>
+              <a:endParaRPr lang="de-CH" dirty="0"/>
+            </a:p>
+          </p:txBody>
+        </p:sp>
+      </p:grpSp>
+      <p:grpSp>
+        <p:nvGrpSpPr>
+          <p:cNvPr id="11" name="Gruppieren 10"/>
+          <p:cNvGrpSpPr/>
+          <p:nvPr/>
+        </p:nvGrpSpPr>
+        <p:grpSpPr>
+          <a:xfrm>
+            <a:off x="60208" y="307837"/>
+            <a:ext cx="2977814" cy="2623617"/>
+            <a:chOff x="5838014" y="3958692"/>
+            <a:chExt cx="2977814" cy="2623617"/>
+          </a:xfrm>
+        </p:grpSpPr>
+        <p:pic>
+          <p:nvPicPr>
+            <p:cNvPr id="9" name="Picture 2" descr="C:\Users\Lukas Elmer\AppData\Local\Microsoft\Windows\Temporary Internet Files\Content.IE5\6Z2H4EIO\MC900434845[1].png"/>
+            <p:cNvPicPr>
+              <a:picLocks noChangeAspect="1" noChangeArrowheads="1"/>
+            </p:cNvPicPr>
+            <p:nvPr/>
+          </p:nvPicPr>
+          <p:blipFill>
+            <a:blip r:embed="rId2">
+              <a:extLst>
+                <a:ext uri="{28A0092B-C50C-407E-A947-70E740481C1C}">
+                  <a14:useLocalDpi xmlns:a14="http://schemas.microsoft.com/office/drawing/2010/main" val="0"/>
+                </a:ext>
+              </a:extLst>
+            </a:blip>
+            <a:srcRect/>
+            <a:stretch>
+              <a:fillRect/>
+            </a:stretch>
+          </p:blipFill>
+          <p:spPr bwMode="auto">
+            <a:xfrm>
+              <a:off x="6008828" y="3958692"/>
+              <a:ext cx="1688644" cy="1688644"/>
+            </a:xfrm>
+            <a:prstGeom prst="rect">
+              <a:avLst/>
+            </a:prstGeom>
+            <a:noFill/>
+            <a:extLst>
+              <a:ext uri="{909E8E84-426E-40DD-AFC4-6F175D3DCCD1}">
+                <a14:hiddenFill xmlns:a14="http://schemas.microsoft.com/office/drawing/2010/main">
+                  <a:solidFill>
+                    <a:srgbClr val="FFFFFF"/>
+                  </a:solidFill>
+                </a14:hiddenFill>
+              </a:ext>
+            </a:extLst>
+          </p:spPr>
+        </p:pic>
+        <p:sp>
+          <p:nvSpPr>
+            <p:cNvPr id="10" name="Textfeld 9"/>
+            <p:cNvSpPr txBox="1"/>
+            <p:nvPr/>
+          </p:nvSpPr>
+          <p:spPr>
+            <a:xfrm>
+              <a:off x="5838014" y="5647336"/>
+              <a:ext cx="1862561" cy="369332"/>
+            </a:xfrm>
+            <a:prstGeom prst="rect">
+              <a:avLst/>
+            </a:prstGeom>
+            <a:noFill/>
+          </p:spPr>
+          <p:txBody>
+            <a:bodyPr wrap="none" rtlCol="0">
+              <a:spAutoFit/>
+            </a:bodyPr>
+            <a:lstStyle/>
+            <a:p>
+              <a:pPr algn="ctr"/>
+              <a:r>
+                <a:rPr lang="de-CH" dirty="0" err="1" smtClean="0"/>
+                <a:t>Sharepoint</a:t>
+              </a:r>
+              <a:r>
+                <a:rPr lang="de-CH" dirty="0" smtClean="0"/>
+                <a:t> Server</a:t>
+              </a:r>
+              <a:endParaRPr lang="de-CH" dirty="0"/>
+            </a:p>
+          </p:txBody>
+        </p:sp>
+        <p:sp>
+          <p:nvSpPr>
+            <p:cNvPr id="12" name="Textfeld 11"/>
+            <p:cNvSpPr txBox="1"/>
+            <p:nvPr/>
+          </p:nvSpPr>
+          <p:spPr>
+            <a:xfrm>
+              <a:off x="7366200" y="5935978"/>
+              <a:ext cx="1449628" cy="646331"/>
+            </a:xfrm>
+            <a:prstGeom prst="rect">
+              <a:avLst/>
+            </a:prstGeom>
+            <a:noFill/>
+          </p:spPr>
+          <p:txBody>
+            <a:bodyPr wrap="none" rtlCol="0">
+              <a:spAutoFit/>
+            </a:bodyPr>
+            <a:lstStyle/>
+            <a:p>
+              <a:pPr algn="ctr"/>
+              <a:r>
+                <a:rPr lang="de-CH" dirty="0" smtClean="0"/>
+                <a:t>Project Notes</a:t>
+              </a:r>
+            </a:p>
+            <a:p>
+              <a:pPr algn="ctr"/>
+              <a:r>
+                <a:rPr lang="de-CH" dirty="0" smtClean="0"/>
+                <a:t>Metainfos</a:t>
+              </a:r>
+              <a:endParaRPr lang="de-CH" dirty="0"/>
+            </a:p>
+          </p:txBody>
+        </p:sp>
+        <p:sp>
+          <p:nvSpPr>
+            <p:cNvPr id="7" name="Document"/>
+            <p:cNvSpPr>
+              <a:spLocks noEditPoints="1" noChangeArrowheads="1"/>
+            </p:cNvSpPr>
+            <p:nvPr/>
+          </p:nvSpPr>
+          <p:spPr bwMode="auto">
+            <a:xfrm>
+              <a:off x="7756273" y="4803014"/>
+              <a:ext cx="821736" cy="1099506"/>
+            </a:xfrm>
+            <a:custGeom>
+              <a:avLst/>
+              <a:gdLst>
+                <a:gd name="T0" fmla="*/ 10757 w 21600"/>
+                <a:gd name="T1" fmla="*/ 21632 h 21600"/>
+                <a:gd name="T2" fmla="*/ 85 w 21600"/>
+                <a:gd name="T3" fmla="*/ 10849 h 21600"/>
+                <a:gd name="T4" fmla="*/ 10757 w 21600"/>
+                <a:gd name="T5" fmla="*/ 81 h 21600"/>
+                <a:gd name="T6" fmla="*/ 21706 w 21600"/>
+                <a:gd name="T7" fmla="*/ 10652 h 21600"/>
+                <a:gd name="T8" fmla="*/ 10757 w 21600"/>
+                <a:gd name="T9" fmla="*/ 21632 h 21600"/>
+                <a:gd name="T10" fmla="*/ 0 w 21600"/>
+                <a:gd name="T11" fmla="*/ 0 h 21600"/>
+                <a:gd name="T12" fmla="*/ 21600 w 21600"/>
+                <a:gd name="T13" fmla="*/ 0 h 21600"/>
+                <a:gd name="T14" fmla="*/ 21600 w 21600"/>
+                <a:gd name="T15" fmla="*/ 21600 h 21600"/>
+                <a:gd name="T16" fmla="*/ 977 w 21600"/>
+                <a:gd name="T17" fmla="*/ 818 h 21600"/>
+                <a:gd name="T18" fmla="*/ 20622 w 21600"/>
+                <a:gd name="T19" fmla="*/ 16429 h 21600"/>
+              </a:gdLst>
+              <a:ahLst/>
+              <a:cxnLst>
+                <a:cxn ang="0">
+                  <a:pos x="T0" y="T1"/>
+                </a:cxn>
+                <a:cxn ang="0">
+                  <a:pos x="T2" y="T3"/>
+                </a:cxn>
+                <a:cxn ang="0">
+                  <a:pos x="T4" y="T5"/>
+                </a:cxn>
+                <a:cxn ang="0">
+                  <a:pos x="T6" y="T7"/>
+                </a:cxn>
+                <a:cxn ang="0">
+                  <a:pos x="T8" y="T9"/>
+                </a:cxn>
+                <a:cxn ang="0">
+                  <a:pos x="T10" y="T11"/>
+                </a:cxn>
+                <a:cxn ang="0">
+                  <a:pos x="T12" y="T13"/>
+                </a:cxn>
+                <a:cxn ang="0">
+                  <a:pos x="T14" y="T15"/>
+                </a:cxn>
+              </a:cxnLst>
+              <a:rect l="T16" t="T17" r="T18" b="T19"/>
+              <a:pathLst>
+                <a:path w="21600" h="21600">
+                  <a:moveTo>
+                    <a:pt x="10757" y="21632"/>
+                  </a:moveTo>
+                  <a:lnTo>
+                    <a:pt x="5187" y="21632"/>
+                  </a:lnTo>
+                  <a:lnTo>
+                    <a:pt x="85" y="17509"/>
+                  </a:lnTo>
+                  <a:lnTo>
+                    <a:pt x="85" y="10849"/>
+                  </a:lnTo>
+                  <a:lnTo>
+                    <a:pt x="85" y="81"/>
+                  </a:lnTo>
+                  <a:lnTo>
+                    <a:pt x="10757" y="81"/>
+                  </a:lnTo>
+                  <a:lnTo>
+                    <a:pt x="21706" y="81"/>
+                  </a:lnTo>
+                  <a:lnTo>
+                    <a:pt x="21706" y="10652"/>
+                  </a:lnTo>
+                  <a:lnTo>
+                    <a:pt x="21706" y="21632"/>
+                  </a:lnTo>
+                  <a:lnTo>
+                    <a:pt x="10757" y="21632"/>
+                  </a:lnTo>
+                  <a:close/>
+                </a:path>
+                <a:path w="21600" h="21600">
+                  <a:moveTo>
+                    <a:pt x="85" y="17509"/>
+                  </a:moveTo>
+                  <a:lnTo>
+                    <a:pt x="5187" y="17509"/>
+                  </a:lnTo>
+                  <a:lnTo>
+                    <a:pt x="5187" y="21632"/>
+                  </a:lnTo>
+                  <a:lnTo>
+                    <a:pt x="85" y="17509"/>
+                  </a:lnTo>
+                  <a:close/>
+                </a:path>
+              </a:pathLst>
+            </a:custGeom>
+            <a:ln>
+              <a:headEnd/>
+              <a:tailEnd/>
+            </a:ln>
+          </p:spPr>
+          <p:style>
+            <a:lnRef idx="2">
+              <a:schemeClr val="accent6">
+                <a:shade val="50000"/>
+              </a:schemeClr>
+            </a:lnRef>
+            <a:fillRef idx="1">
+              <a:schemeClr val="accent6"/>
+            </a:fillRef>
+            <a:effectRef idx="0">
+              <a:schemeClr val="accent6"/>
+            </a:effectRef>
+            <a:fontRef idx="minor">
+              <a:schemeClr val="lt1"/>
+            </a:fontRef>
+          </p:style>
+          <p:txBody>
+            <a:bodyPr vert="horz" wrap="square" lIns="91440" tIns="45720" rIns="91440" bIns="45720" numCol="1" anchor="t" anchorCtr="0" compatLnSpc="1">
+              <a:prstTxWarp prst="textNoShape">
+                <a:avLst/>
+              </a:prstTxWarp>
+            </a:bodyPr>
+            <a:lstStyle/>
+            <a:p>
+              <a:endParaRPr lang="de-CH"/>
+            </a:p>
+          </p:txBody>
+        </p:sp>
+      </p:grpSp>
       <p:sp>
         <p:nvSpPr>
           <p:cNvPr id="19" name="Textfeld 18"/>
@@ -3765,8 +5162,8 @@
           <p:nvPr/>
         </p:nvSpPr>
         <p:spPr>
-          <a:xfrm rot="19800000">
-            <a:off x="3388195" y="1882709"/>
+          <a:xfrm rot="19306247">
+            <a:off x="2802866" y="4298690"/>
             <a:ext cx="2790572" cy="369332"/>
           </a:xfrm>
           <a:prstGeom prst="rect">
@@ -3812,7 +5209,7 @@
         </p:nvSpPr>
         <p:spPr>
           <a:xfrm rot="1800000">
-            <a:off x="4040404" y="4532929"/>
+            <a:off x="3397225" y="2066999"/>
             <a:ext cx="1628523" cy="369332"/>
           </a:xfrm>
           <a:prstGeom prst="rect">
@@ -3844,921 +5241,14 @@
       </p:sp>
       <p:sp>
         <p:nvSpPr>
-          <p:cNvPr id="27" name="Documents"/>
-          <p:cNvSpPr>
-            <a:spLocks noEditPoints="1" noChangeArrowheads="1"/>
-          </p:cNvSpPr>
-          <p:nvPr/>
-        </p:nvSpPr>
-        <p:spPr bwMode="auto">
-          <a:xfrm>
-            <a:off x="158602" y="1162150"/>
-            <a:ext cx="709720" cy="949625"/>
-          </a:xfrm>
-          <a:custGeom>
-            <a:avLst/>
-            <a:gdLst>
-              <a:gd name="T0" fmla="*/ 0 w 21600"/>
-              <a:gd name="T1" fmla="*/ 2800 h 21600"/>
-              <a:gd name="T2" fmla="*/ 3468 w 21600"/>
-              <a:gd name="T3" fmla="*/ 0 h 21600"/>
-              <a:gd name="T4" fmla="*/ 21653 w 21600"/>
-              <a:gd name="T5" fmla="*/ 18828 h 21600"/>
-              <a:gd name="T6" fmla="*/ 19954 w 21600"/>
-              <a:gd name="T7" fmla="*/ 20214 h 21600"/>
-              <a:gd name="T8" fmla="*/ 18256 w 21600"/>
-              <a:gd name="T9" fmla="*/ 21628 h 21600"/>
-              <a:gd name="T10" fmla="*/ 19954 w 21600"/>
-              <a:gd name="T11" fmla="*/ 1428 h 21600"/>
-              <a:gd name="T12" fmla="*/ 18256 w 21600"/>
-              <a:gd name="T13" fmla="*/ 2800 h 21600"/>
-              <a:gd name="T14" fmla="*/ 1645 w 21600"/>
-              <a:gd name="T15" fmla="*/ 1428 h 21600"/>
-              <a:gd name="T16" fmla="*/ 21600 w 21600"/>
-              <a:gd name="T17" fmla="*/ 0 h 21600"/>
-              <a:gd name="T18" fmla="*/ 10800 w 21600"/>
-              <a:gd name="T19" fmla="*/ 0 h 21600"/>
-              <a:gd name="T20" fmla="*/ 0 w 21600"/>
-              <a:gd name="T21" fmla="*/ 10800 h 21600"/>
-              <a:gd name="T22" fmla="*/ 21600 w 21600"/>
-              <a:gd name="T23" fmla="*/ 10800 h 21600"/>
-              <a:gd name="T24" fmla="*/ 1645 w 21600"/>
-              <a:gd name="T25" fmla="*/ 4171 h 21600"/>
-              <a:gd name="T26" fmla="*/ 16522 w 21600"/>
-              <a:gd name="T27" fmla="*/ 17314 h 21600"/>
-            </a:gdLst>
-            <a:ahLst/>
-            <a:cxnLst>
-              <a:cxn ang="0">
-                <a:pos x="T0" y="T1"/>
-              </a:cxn>
-              <a:cxn ang="0">
-                <a:pos x="T2" y="T3"/>
-              </a:cxn>
-              <a:cxn ang="0">
-                <a:pos x="T4" y="T5"/>
-              </a:cxn>
-              <a:cxn ang="0">
-                <a:pos x="T6" y="T7"/>
-              </a:cxn>
-              <a:cxn ang="0">
-                <a:pos x="T8" y="T9"/>
-              </a:cxn>
-              <a:cxn ang="0">
-                <a:pos x="T10" y="T11"/>
-              </a:cxn>
-              <a:cxn ang="0">
-                <a:pos x="T12" y="T13"/>
-              </a:cxn>
-              <a:cxn ang="0">
-                <a:pos x="T14" y="T15"/>
-              </a:cxn>
-              <a:cxn ang="0">
-                <a:pos x="T16" y="T17"/>
-              </a:cxn>
-              <a:cxn ang="0">
-                <a:pos x="T18" y="T19"/>
-              </a:cxn>
-              <a:cxn ang="0">
-                <a:pos x="T20" y="T21"/>
-              </a:cxn>
-              <a:cxn ang="0">
-                <a:pos x="T22" y="T23"/>
-              </a:cxn>
-            </a:cxnLst>
-            <a:rect l="T24" t="T25" r="T26" b="T27"/>
-            <a:pathLst>
-              <a:path w="21600" h="21600" extrusionOk="0">
-                <a:moveTo>
-                  <a:pt x="0" y="18014"/>
-                </a:moveTo>
-                <a:lnTo>
-                  <a:pt x="0" y="2800"/>
-                </a:lnTo>
-                <a:lnTo>
-                  <a:pt x="1645" y="2800"/>
-                </a:lnTo>
-                <a:lnTo>
-                  <a:pt x="1645" y="1428"/>
-                </a:lnTo>
-                <a:lnTo>
-                  <a:pt x="3468" y="1428"/>
-                </a:lnTo>
-                <a:lnTo>
-                  <a:pt x="3468" y="0"/>
-                </a:lnTo>
-                <a:lnTo>
-                  <a:pt x="21653" y="0"/>
-                </a:lnTo>
-                <a:lnTo>
-                  <a:pt x="21653" y="18828"/>
-                </a:lnTo>
-                <a:lnTo>
-                  <a:pt x="19954" y="18828"/>
-                </a:lnTo>
-                <a:lnTo>
-                  <a:pt x="19954" y="20214"/>
-                </a:lnTo>
-                <a:lnTo>
-                  <a:pt x="18256" y="20214"/>
-                </a:lnTo>
-                <a:lnTo>
-                  <a:pt x="18256" y="21600"/>
-                </a:lnTo>
-                <a:lnTo>
-                  <a:pt x="4434" y="21600"/>
-                </a:lnTo>
-                <a:lnTo>
-                  <a:pt x="0" y="18014"/>
-                </a:lnTo>
-                <a:close/>
-              </a:path>
-              <a:path w="21600" h="21600" extrusionOk="0">
-                <a:moveTo>
-                  <a:pt x="3486" y="1428"/>
-                </a:moveTo>
-                <a:lnTo>
-                  <a:pt x="19954" y="1428"/>
-                </a:lnTo>
-                <a:lnTo>
-                  <a:pt x="19954" y="20214"/>
-                </a:lnTo>
-                <a:lnTo>
-                  <a:pt x="18256" y="20214"/>
-                </a:lnTo>
-                <a:lnTo>
-                  <a:pt x="18256" y="2800"/>
-                </a:lnTo>
-                <a:lnTo>
-                  <a:pt x="1645" y="2800"/>
-                </a:lnTo>
-                <a:lnTo>
-                  <a:pt x="1645" y="1428"/>
-                </a:lnTo>
-                <a:lnTo>
-                  <a:pt x="3486" y="1428"/>
-                </a:lnTo>
-                <a:close/>
-              </a:path>
-              <a:path w="21600" h="21600" extrusionOk="0">
-                <a:moveTo>
-                  <a:pt x="0" y="18014"/>
-                </a:moveTo>
-                <a:lnTo>
-                  <a:pt x="4434" y="18000"/>
-                </a:lnTo>
-                <a:lnTo>
-                  <a:pt x="4434" y="21600"/>
-                </a:lnTo>
-                <a:lnTo>
-                  <a:pt x="0" y="18014"/>
-                </a:lnTo>
-                <a:close/>
-              </a:path>
-            </a:pathLst>
-          </a:custGeom>
-          <a:solidFill>
-            <a:srgbClr val="D8EBB3"/>
-          </a:solidFill>
-          <a:ln w="9525">
-            <a:solidFill>
-              <a:srgbClr val="000000"/>
-            </a:solidFill>
-            <a:miter lim="800000"/>
-            <a:headEnd/>
-            <a:tailEnd/>
-          </a:ln>
-          <a:effectLst>
-            <a:outerShdw dist="107763" dir="2700000" algn="ctr" rotWithShape="0">
-              <a:srgbClr val="808080"/>
-            </a:outerShdw>
-          </a:effectLst>
-        </p:spPr>
-        <p:txBody>
-          <a:bodyPr vert="horz" wrap="square" lIns="91440" tIns="45720" rIns="91440" bIns="45720" numCol="1" anchor="t" anchorCtr="0" compatLnSpc="1">
-            <a:prstTxWarp prst="textNoShape">
-              <a:avLst/>
-            </a:prstTxWarp>
-          </a:bodyPr>
-          <a:lstStyle/>
-          <a:p>
-            <a:endParaRPr lang="de-CH"/>
-          </a:p>
-        </p:txBody>
-      </p:sp>
-      <p:sp>
-        <p:nvSpPr>
-          <p:cNvPr id="28" name="Textfeld 27"/>
-          <p:cNvSpPr txBox="1"/>
-          <p:nvPr/>
-        </p:nvSpPr>
-        <p:spPr>
-          <a:xfrm>
-            <a:off x="194688" y="2183679"/>
-            <a:ext cx="637547" cy="369332"/>
-          </a:xfrm>
-          <a:prstGeom prst="rect">
-            <a:avLst/>
-          </a:prstGeom>
-          <a:noFill/>
-        </p:spPr>
-        <p:txBody>
-          <a:bodyPr wrap="none" rtlCol="0">
-            <a:spAutoFit/>
-          </a:bodyPr>
-          <a:lstStyle/>
-          <a:p>
-            <a:pPr algn="ctr"/>
-            <a:r>
-              <a:rPr lang="de-CH" dirty="0" smtClean="0"/>
-              <a:t>PDFs</a:t>
-            </a:r>
-            <a:endParaRPr lang="de-CH" dirty="0"/>
-          </a:p>
-        </p:txBody>
-      </p:sp>
-      <p:sp>
-        <p:nvSpPr>
-          <p:cNvPr id="29" name="Documents"/>
-          <p:cNvSpPr>
-            <a:spLocks noEditPoints="1" noChangeArrowheads="1"/>
-          </p:cNvSpPr>
-          <p:nvPr/>
-        </p:nvSpPr>
-        <p:spPr bwMode="auto">
-          <a:xfrm>
-            <a:off x="1094705" y="1162150"/>
-            <a:ext cx="709720" cy="949625"/>
-          </a:xfrm>
-          <a:custGeom>
-            <a:avLst/>
-            <a:gdLst>
-              <a:gd name="T0" fmla="*/ 0 w 21600"/>
-              <a:gd name="T1" fmla="*/ 2800 h 21600"/>
-              <a:gd name="T2" fmla="*/ 3468 w 21600"/>
-              <a:gd name="T3" fmla="*/ 0 h 21600"/>
-              <a:gd name="T4" fmla="*/ 21653 w 21600"/>
-              <a:gd name="T5" fmla="*/ 18828 h 21600"/>
-              <a:gd name="T6" fmla="*/ 19954 w 21600"/>
-              <a:gd name="T7" fmla="*/ 20214 h 21600"/>
-              <a:gd name="T8" fmla="*/ 18256 w 21600"/>
-              <a:gd name="T9" fmla="*/ 21628 h 21600"/>
-              <a:gd name="T10" fmla="*/ 19954 w 21600"/>
-              <a:gd name="T11" fmla="*/ 1428 h 21600"/>
-              <a:gd name="T12" fmla="*/ 18256 w 21600"/>
-              <a:gd name="T13" fmla="*/ 2800 h 21600"/>
-              <a:gd name="T14" fmla="*/ 1645 w 21600"/>
-              <a:gd name="T15" fmla="*/ 1428 h 21600"/>
-              <a:gd name="T16" fmla="*/ 21600 w 21600"/>
-              <a:gd name="T17" fmla="*/ 0 h 21600"/>
-              <a:gd name="T18" fmla="*/ 10800 w 21600"/>
-              <a:gd name="T19" fmla="*/ 0 h 21600"/>
-              <a:gd name="T20" fmla="*/ 0 w 21600"/>
-              <a:gd name="T21" fmla="*/ 10800 h 21600"/>
-              <a:gd name="T22" fmla="*/ 21600 w 21600"/>
-              <a:gd name="T23" fmla="*/ 10800 h 21600"/>
-              <a:gd name="T24" fmla="*/ 1645 w 21600"/>
-              <a:gd name="T25" fmla="*/ 4171 h 21600"/>
-              <a:gd name="T26" fmla="*/ 16522 w 21600"/>
-              <a:gd name="T27" fmla="*/ 17314 h 21600"/>
-            </a:gdLst>
-            <a:ahLst/>
-            <a:cxnLst>
-              <a:cxn ang="0">
-                <a:pos x="T0" y="T1"/>
-              </a:cxn>
-              <a:cxn ang="0">
-                <a:pos x="T2" y="T3"/>
-              </a:cxn>
-              <a:cxn ang="0">
-                <a:pos x="T4" y="T5"/>
-              </a:cxn>
-              <a:cxn ang="0">
-                <a:pos x="T6" y="T7"/>
-              </a:cxn>
-              <a:cxn ang="0">
-                <a:pos x="T8" y="T9"/>
-              </a:cxn>
-              <a:cxn ang="0">
-                <a:pos x="T10" y="T11"/>
-              </a:cxn>
-              <a:cxn ang="0">
-                <a:pos x="T12" y="T13"/>
-              </a:cxn>
-              <a:cxn ang="0">
-                <a:pos x="T14" y="T15"/>
-              </a:cxn>
-              <a:cxn ang="0">
-                <a:pos x="T16" y="T17"/>
-              </a:cxn>
-              <a:cxn ang="0">
-                <a:pos x="T18" y="T19"/>
-              </a:cxn>
-              <a:cxn ang="0">
-                <a:pos x="T20" y="T21"/>
-              </a:cxn>
-              <a:cxn ang="0">
-                <a:pos x="T22" y="T23"/>
-              </a:cxn>
-            </a:cxnLst>
-            <a:rect l="T24" t="T25" r="T26" b="T27"/>
-            <a:pathLst>
-              <a:path w="21600" h="21600" extrusionOk="0">
-                <a:moveTo>
-                  <a:pt x="0" y="18014"/>
-                </a:moveTo>
-                <a:lnTo>
-                  <a:pt x="0" y="2800"/>
-                </a:lnTo>
-                <a:lnTo>
-                  <a:pt x="1645" y="2800"/>
-                </a:lnTo>
-                <a:lnTo>
-                  <a:pt x="1645" y="1428"/>
-                </a:lnTo>
-                <a:lnTo>
-                  <a:pt x="3468" y="1428"/>
-                </a:lnTo>
-                <a:lnTo>
-                  <a:pt x="3468" y="0"/>
-                </a:lnTo>
-                <a:lnTo>
-                  <a:pt x="21653" y="0"/>
-                </a:lnTo>
-                <a:lnTo>
-                  <a:pt x="21653" y="18828"/>
-                </a:lnTo>
-                <a:lnTo>
-                  <a:pt x="19954" y="18828"/>
-                </a:lnTo>
-                <a:lnTo>
-                  <a:pt x="19954" y="20214"/>
-                </a:lnTo>
-                <a:lnTo>
-                  <a:pt x="18256" y="20214"/>
-                </a:lnTo>
-                <a:lnTo>
-                  <a:pt x="18256" y="21600"/>
-                </a:lnTo>
-                <a:lnTo>
-                  <a:pt x="4434" y="21600"/>
-                </a:lnTo>
-                <a:lnTo>
-                  <a:pt x="0" y="18014"/>
-                </a:lnTo>
-                <a:close/>
-              </a:path>
-              <a:path w="21600" h="21600" extrusionOk="0">
-                <a:moveTo>
-                  <a:pt x="3486" y="1428"/>
-                </a:moveTo>
-                <a:lnTo>
-                  <a:pt x="19954" y="1428"/>
-                </a:lnTo>
-                <a:lnTo>
-                  <a:pt x="19954" y="20214"/>
-                </a:lnTo>
-                <a:lnTo>
-                  <a:pt x="18256" y="20214"/>
-                </a:lnTo>
-                <a:lnTo>
-                  <a:pt x="18256" y="2800"/>
-                </a:lnTo>
-                <a:lnTo>
-                  <a:pt x="1645" y="2800"/>
-                </a:lnTo>
-                <a:lnTo>
-                  <a:pt x="1645" y="1428"/>
-                </a:lnTo>
-                <a:lnTo>
-                  <a:pt x="3486" y="1428"/>
-                </a:lnTo>
-                <a:close/>
-              </a:path>
-              <a:path w="21600" h="21600" extrusionOk="0">
-                <a:moveTo>
-                  <a:pt x="0" y="18014"/>
-                </a:moveTo>
-                <a:lnTo>
-                  <a:pt x="4434" y="18000"/>
-                </a:lnTo>
-                <a:lnTo>
-                  <a:pt x="4434" y="21600"/>
-                </a:lnTo>
-                <a:lnTo>
-                  <a:pt x="0" y="18014"/>
-                </a:lnTo>
-                <a:close/>
-              </a:path>
-            </a:pathLst>
-          </a:custGeom>
-          <a:solidFill>
-            <a:srgbClr val="D8EBB3"/>
-          </a:solidFill>
-          <a:ln w="9525">
-            <a:solidFill>
-              <a:srgbClr val="000000"/>
-            </a:solidFill>
-            <a:miter lim="800000"/>
-            <a:headEnd/>
-            <a:tailEnd/>
-          </a:ln>
-          <a:effectLst>
-            <a:outerShdw dist="107763" dir="2700000" algn="ctr" rotWithShape="0">
-              <a:srgbClr val="808080"/>
-            </a:outerShdw>
-          </a:effectLst>
-        </p:spPr>
-        <p:txBody>
-          <a:bodyPr vert="horz" wrap="square" lIns="91440" tIns="45720" rIns="91440" bIns="45720" numCol="1" anchor="t" anchorCtr="0" compatLnSpc="1">
-            <a:prstTxWarp prst="textNoShape">
-              <a:avLst/>
-            </a:prstTxWarp>
-          </a:bodyPr>
-          <a:lstStyle/>
-          <a:p>
-            <a:endParaRPr lang="de-CH"/>
-          </a:p>
-        </p:txBody>
-      </p:sp>
-      <p:sp>
-        <p:nvSpPr>
-          <p:cNvPr id="30" name="Textfeld 29"/>
-          <p:cNvSpPr txBox="1"/>
-          <p:nvPr/>
-        </p:nvSpPr>
-        <p:spPr>
-          <a:xfrm>
-            <a:off x="1140025" y="2183679"/>
-            <a:ext cx="619080" cy="369332"/>
-          </a:xfrm>
-          <a:prstGeom prst="rect">
-            <a:avLst/>
-          </a:prstGeom>
-          <a:noFill/>
-        </p:spPr>
-        <p:txBody>
-          <a:bodyPr wrap="none" rtlCol="0">
-            <a:spAutoFit/>
-          </a:bodyPr>
-          <a:lstStyle/>
-          <a:p>
-            <a:pPr algn="ctr"/>
-            <a:r>
-              <a:rPr lang="de-CH" dirty="0" smtClean="0"/>
-              <a:t>XPSs</a:t>
-            </a:r>
-            <a:endParaRPr lang="de-CH" dirty="0"/>
-          </a:p>
-        </p:txBody>
-      </p:sp>
-      <p:sp>
-        <p:nvSpPr>
-          <p:cNvPr id="31" name="Documents"/>
-          <p:cNvSpPr>
-            <a:spLocks noEditPoints="1" noChangeArrowheads="1"/>
-          </p:cNvSpPr>
-          <p:nvPr/>
-        </p:nvSpPr>
-        <p:spPr bwMode="auto">
-          <a:xfrm>
-            <a:off x="2052199" y="1162150"/>
-            <a:ext cx="709720" cy="949625"/>
-          </a:xfrm>
-          <a:custGeom>
-            <a:avLst/>
-            <a:gdLst>
-              <a:gd name="T0" fmla="*/ 0 w 21600"/>
-              <a:gd name="T1" fmla="*/ 2800 h 21600"/>
-              <a:gd name="T2" fmla="*/ 3468 w 21600"/>
-              <a:gd name="T3" fmla="*/ 0 h 21600"/>
-              <a:gd name="T4" fmla="*/ 21653 w 21600"/>
-              <a:gd name="T5" fmla="*/ 18828 h 21600"/>
-              <a:gd name="T6" fmla="*/ 19954 w 21600"/>
-              <a:gd name="T7" fmla="*/ 20214 h 21600"/>
-              <a:gd name="T8" fmla="*/ 18256 w 21600"/>
-              <a:gd name="T9" fmla="*/ 21628 h 21600"/>
-              <a:gd name="T10" fmla="*/ 19954 w 21600"/>
-              <a:gd name="T11" fmla="*/ 1428 h 21600"/>
-              <a:gd name="T12" fmla="*/ 18256 w 21600"/>
-              <a:gd name="T13" fmla="*/ 2800 h 21600"/>
-              <a:gd name="T14" fmla="*/ 1645 w 21600"/>
-              <a:gd name="T15" fmla="*/ 1428 h 21600"/>
-              <a:gd name="T16" fmla="*/ 21600 w 21600"/>
-              <a:gd name="T17" fmla="*/ 0 h 21600"/>
-              <a:gd name="T18" fmla="*/ 10800 w 21600"/>
-              <a:gd name="T19" fmla="*/ 0 h 21600"/>
-              <a:gd name="T20" fmla="*/ 0 w 21600"/>
-              <a:gd name="T21" fmla="*/ 10800 h 21600"/>
-              <a:gd name="T22" fmla="*/ 21600 w 21600"/>
-              <a:gd name="T23" fmla="*/ 10800 h 21600"/>
-              <a:gd name="T24" fmla="*/ 1645 w 21600"/>
-              <a:gd name="T25" fmla="*/ 4171 h 21600"/>
-              <a:gd name="T26" fmla="*/ 16522 w 21600"/>
-              <a:gd name="T27" fmla="*/ 17314 h 21600"/>
-            </a:gdLst>
-            <a:ahLst/>
-            <a:cxnLst>
-              <a:cxn ang="0">
-                <a:pos x="T0" y="T1"/>
-              </a:cxn>
-              <a:cxn ang="0">
-                <a:pos x="T2" y="T3"/>
-              </a:cxn>
-              <a:cxn ang="0">
-                <a:pos x="T4" y="T5"/>
-              </a:cxn>
-              <a:cxn ang="0">
-                <a:pos x="T6" y="T7"/>
-              </a:cxn>
-              <a:cxn ang="0">
-                <a:pos x="T8" y="T9"/>
-              </a:cxn>
-              <a:cxn ang="0">
-                <a:pos x="T10" y="T11"/>
-              </a:cxn>
-              <a:cxn ang="0">
-                <a:pos x="T12" y="T13"/>
-              </a:cxn>
-              <a:cxn ang="0">
-                <a:pos x="T14" y="T15"/>
-              </a:cxn>
-              <a:cxn ang="0">
-                <a:pos x="T16" y="T17"/>
-              </a:cxn>
-              <a:cxn ang="0">
-                <a:pos x="T18" y="T19"/>
-              </a:cxn>
-              <a:cxn ang="0">
-                <a:pos x="T20" y="T21"/>
-              </a:cxn>
-              <a:cxn ang="0">
-                <a:pos x="T22" y="T23"/>
-              </a:cxn>
-            </a:cxnLst>
-            <a:rect l="T24" t="T25" r="T26" b="T27"/>
-            <a:pathLst>
-              <a:path w="21600" h="21600" extrusionOk="0">
-                <a:moveTo>
-                  <a:pt x="0" y="18014"/>
-                </a:moveTo>
-                <a:lnTo>
-                  <a:pt x="0" y="2800"/>
-                </a:lnTo>
-                <a:lnTo>
-                  <a:pt x="1645" y="2800"/>
-                </a:lnTo>
-                <a:lnTo>
-                  <a:pt x="1645" y="1428"/>
-                </a:lnTo>
-                <a:lnTo>
-                  <a:pt x="3468" y="1428"/>
-                </a:lnTo>
-                <a:lnTo>
-                  <a:pt x="3468" y="0"/>
-                </a:lnTo>
-                <a:lnTo>
-                  <a:pt x="21653" y="0"/>
-                </a:lnTo>
-                <a:lnTo>
-                  <a:pt x="21653" y="18828"/>
-                </a:lnTo>
-                <a:lnTo>
-                  <a:pt x="19954" y="18828"/>
-                </a:lnTo>
-                <a:lnTo>
-                  <a:pt x="19954" y="20214"/>
-                </a:lnTo>
-                <a:lnTo>
-                  <a:pt x="18256" y="20214"/>
-                </a:lnTo>
-                <a:lnTo>
-                  <a:pt x="18256" y="21600"/>
-                </a:lnTo>
-                <a:lnTo>
-                  <a:pt x="4434" y="21600"/>
-                </a:lnTo>
-                <a:lnTo>
-                  <a:pt x="0" y="18014"/>
-                </a:lnTo>
-                <a:close/>
-              </a:path>
-              <a:path w="21600" h="21600" extrusionOk="0">
-                <a:moveTo>
-                  <a:pt x="3486" y="1428"/>
-                </a:moveTo>
-                <a:lnTo>
-                  <a:pt x="19954" y="1428"/>
-                </a:lnTo>
-                <a:lnTo>
-                  <a:pt x="19954" y="20214"/>
-                </a:lnTo>
-                <a:lnTo>
-                  <a:pt x="18256" y="20214"/>
-                </a:lnTo>
-                <a:lnTo>
-                  <a:pt x="18256" y="2800"/>
-                </a:lnTo>
-                <a:lnTo>
-                  <a:pt x="1645" y="2800"/>
-                </a:lnTo>
-                <a:lnTo>
-                  <a:pt x="1645" y="1428"/>
-                </a:lnTo>
-                <a:lnTo>
-                  <a:pt x="3486" y="1428"/>
-                </a:lnTo>
-                <a:close/>
-              </a:path>
-              <a:path w="21600" h="21600" extrusionOk="0">
-                <a:moveTo>
-                  <a:pt x="0" y="18014"/>
-                </a:moveTo>
-                <a:lnTo>
-                  <a:pt x="4434" y="18000"/>
-                </a:lnTo>
-                <a:lnTo>
-                  <a:pt x="4434" y="21600"/>
-                </a:lnTo>
-                <a:lnTo>
-                  <a:pt x="0" y="18014"/>
-                </a:lnTo>
-                <a:close/>
-              </a:path>
-            </a:pathLst>
-          </a:custGeom>
-          <a:solidFill>
-            <a:srgbClr val="D8EBB3"/>
-          </a:solidFill>
-          <a:ln w="9525">
-            <a:solidFill>
-              <a:srgbClr val="000000"/>
-            </a:solidFill>
-            <a:miter lim="800000"/>
-            <a:headEnd/>
-            <a:tailEnd/>
-          </a:ln>
-          <a:effectLst>
-            <a:outerShdw dist="107763" dir="2700000" algn="ctr" rotWithShape="0">
-              <a:srgbClr val="808080"/>
-            </a:outerShdw>
-          </a:effectLst>
-        </p:spPr>
-        <p:txBody>
-          <a:bodyPr vert="horz" wrap="square" lIns="91440" tIns="45720" rIns="91440" bIns="45720" numCol="1" anchor="t" anchorCtr="0" compatLnSpc="1">
-            <a:prstTxWarp prst="textNoShape">
-              <a:avLst/>
-            </a:prstTxWarp>
-          </a:bodyPr>
-          <a:lstStyle/>
-          <a:p>
-            <a:endParaRPr lang="de-CH"/>
-          </a:p>
-        </p:txBody>
-      </p:sp>
-      <p:sp>
-        <p:nvSpPr>
-          <p:cNvPr id="32" name="Textfeld 31"/>
-          <p:cNvSpPr txBox="1"/>
-          <p:nvPr/>
-        </p:nvSpPr>
-        <p:spPr>
-          <a:xfrm>
-            <a:off x="1982263" y="2183679"/>
-            <a:ext cx="849593" cy="369332"/>
-          </a:xfrm>
-          <a:prstGeom prst="rect">
-            <a:avLst/>
-          </a:prstGeom>
-          <a:noFill/>
-        </p:spPr>
-        <p:txBody>
-          <a:bodyPr wrap="none" rtlCol="0">
-            <a:spAutoFit/>
-          </a:bodyPr>
-          <a:lstStyle/>
-          <a:p>
-            <a:pPr algn="ctr"/>
-            <a:r>
-              <a:rPr lang="de-CH" dirty="0" smtClean="0"/>
-              <a:t>Images</a:t>
-            </a:r>
-            <a:endParaRPr lang="de-CH" dirty="0"/>
-          </a:p>
-        </p:txBody>
-      </p:sp>
-      <p:sp>
-        <p:nvSpPr>
-          <p:cNvPr id="36" name="Textfeld 35"/>
-          <p:cNvSpPr txBox="1"/>
-          <p:nvPr/>
-        </p:nvSpPr>
-        <p:spPr>
-          <a:xfrm>
-            <a:off x="35268" y="5890046"/>
-            <a:ext cx="1809086" cy="923330"/>
-          </a:xfrm>
-          <a:prstGeom prst="rect">
-            <a:avLst/>
-          </a:prstGeom>
-          <a:noFill/>
-        </p:spPr>
-        <p:txBody>
-          <a:bodyPr wrap="none" rtlCol="0">
-            <a:spAutoFit/>
-          </a:bodyPr>
-          <a:lstStyle/>
-          <a:p>
-            <a:pPr algn="ctr"/>
-            <a:r>
-              <a:rPr lang="de-CH" dirty="0" smtClean="0"/>
-              <a:t>Project Notes</a:t>
-            </a:r>
-          </a:p>
-          <a:p>
-            <a:pPr algn="ctr"/>
-            <a:r>
-              <a:rPr lang="de-CH" dirty="0" smtClean="0"/>
-              <a:t>Metainfos</a:t>
-            </a:r>
-          </a:p>
-          <a:p>
-            <a:pPr algn="ctr"/>
-            <a:r>
-              <a:rPr lang="de-CH" dirty="0" smtClean="0"/>
-              <a:t>Tab </a:t>
-            </a:r>
-            <a:r>
-              <a:rPr lang="de-CH" dirty="0" err="1" smtClean="0"/>
-              <a:t>seperated</a:t>
-            </a:r>
-            <a:r>
-              <a:rPr lang="de-CH" dirty="0" smtClean="0"/>
-              <a:t> </a:t>
-            </a:r>
-            <a:r>
-              <a:rPr lang="de-CH" dirty="0" err="1" smtClean="0"/>
-              <a:t>txt</a:t>
-            </a:r>
-            <a:endParaRPr lang="de-CH" dirty="0"/>
-          </a:p>
-        </p:txBody>
-      </p:sp>
-      <p:sp>
-        <p:nvSpPr>
-          <p:cNvPr id="37" name="Document"/>
-          <p:cNvSpPr>
-            <a:spLocks noEditPoints="1" noChangeArrowheads="1"/>
-          </p:cNvSpPr>
-          <p:nvPr/>
-        </p:nvSpPr>
-        <p:spPr bwMode="auto">
-          <a:xfrm>
-            <a:off x="611268" y="4948136"/>
-            <a:ext cx="657082" cy="879194"/>
-          </a:xfrm>
-          <a:custGeom>
-            <a:avLst/>
-            <a:gdLst>
-              <a:gd name="T0" fmla="*/ 10757 w 21600"/>
-              <a:gd name="T1" fmla="*/ 21632 h 21600"/>
-              <a:gd name="T2" fmla="*/ 85 w 21600"/>
-              <a:gd name="T3" fmla="*/ 10849 h 21600"/>
-              <a:gd name="T4" fmla="*/ 10757 w 21600"/>
-              <a:gd name="T5" fmla="*/ 81 h 21600"/>
-              <a:gd name="T6" fmla="*/ 21706 w 21600"/>
-              <a:gd name="T7" fmla="*/ 10652 h 21600"/>
-              <a:gd name="T8" fmla="*/ 10757 w 21600"/>
-              <a:gd name="T9" fmla="*/ 21632 h 21600"/>
-              <a:gd name="T10" fmla="*/ 0 w 21600"/>
-              <a:gd name="T11" fmla="*/ 0 h 21600"/>
-              <a:gd name="T12" fmla="*/ 21600 w 21600"/>
-              <a:gd name="T13" fmla="*/ 0 h 21600"/>
-              <a:gd name="T14" fmla="*/ 21600 w 21600"/>
-              <a:gd name="T15" fmla="*/ 21600 h 21600"/>
-              <a:gd name="T16" fmla="*/ 977 w 21600"/>
-              <a:gd name="T17" fmla="*/ 818 h 21600"/>
-              <a:gd name="T18" fmla="*/ 20622 w 21600"/>
-              <a:gd name="T19" fmla="*/ 16429 h 21600"/>
-            </a:gdLst>
-            <a:ahLst/>
-            <a:cxnLst>
-              <a:cxn ang="0">
-                <a:pos x="T0" y="T1"/>
-              </a:cxn>
-              <a:cxn ang="0">
-                <a:pos x="T2" y="T3"/>
-              </a:cxn>
-              <a:cxn ang="0">
-                <a:pos x="T4" y="T5"/>
-              </a:cxn>
-              <a:cxn ang="0">
-                <a:pos x="T6" y="T7"/>
-              </a:cxn>
-              <a:cxn ang="0">
-                <a:pos x="T8" y="T9"/>
-              </a:cxn>
-              <a:cxn ang="0">
-                <a:pos x="T10" y="T11"/>
-              </a:cxn>
-              <a:cxn ang="0">
-                <a:pos x="T12" y="T13"/>
-              </a:cxn>
-              <a:cxn ang="0">
-                <a:pos x="T14" y="T15"/>
-              </a:cxn>
-            </a:cxnLst>
-            <a:rect l="T16" t="T17" r="T18" b="T19"/>
-            <a:pathLst>
-              <a:path w="21600" h="21600">
-                <a:moveTo>
-                  <a:pt x="10757" y="21632"/>
-                </a:moveTo>
-                <a:lnTo>
-                  <a:pt x="5187" y="21632"/>
-                </a:lnTo>
-                <a:lnTo>
-                  <a:pt x="85" y="17509"/>
-                </a:lnTo>
-                <a:lnTo>
-                  <a:pt x="85" y="10849"/>
-                </a:lnTo>
-                <a:lnTo>
-                  <a:pt x="85" y="81"/>
-                </a:lnTo>
-                <a:lnTo>
-                  <a:pt x="10757" y="81"/>
-                </a:lnTo>
-                <a:lnTo>
-                  <a:pt x="21706" y="81"/>
-                </a:lnTo>
-                <a:lnTo>
-                  <a:pt x="21706" y="10652"/>
-                </a:lnTo>
-                <a:lnTo>
-                  <a:pt x="21706" y="21632"/>
-                </a:lnTo>
-                <a:lnTo>
-                  <a:pt x="10757" y="21632"/>
-                </a:lnTo>
-                <a:close/>
-              </a:path>
-              <a:path w="21600" h="21600">
-                <a:moveTo>
-                  <a:pt x="85" y="17509"/>
-                </a:moveTo>
-                <a:lnTo>
-                  <a:pt x="5187" y="17509"/>
-                </a:lnTo>
-                <a:lnTo>
-                  <a:pt x="5187" y="21632"/>
-                </a:lnTo>
-                <a:lnTo>
-                  <a:pt x="85" y="17509"/>
-                </a:lnTo>
-                <a:close/>
-              </a:path>
-            </a:pathLst>
-          </a:custGeom>
-          <a:solidFill>
-            <a:srgbClr val="D8EBB3"/>
-          </a:solidFill>
-          <a:ln w="9525">
-            <a:solidFill>
-              <a:srgbClr val="000000"/>
-            </a:solidFill>
-            <a:miter lim="800000"/>
-            <a:headEnd/>
-            <a:tailEnd/>
-          </a:ln>
-          <a:effectLst>
-            <a:outerShdw dist="107763" dir="2700000" algn="ctr" rotWithShape="0">
-              <a:srgbClr val="808080"/>
-            </a:outerShdw>
-          </a:effectLst>
-        </p:spPr>
-        <p:txBody>
-          <a:bodyPr vert="horz" wrap="square" lIns="91440" tIns="45720" rIns="91440" bIns="45720" numCol="1" anchor="t" anchorCtr="0" compatLnSpc="1">
-            <a:prstTxWarp prst="textNoShape">
-              <a:avLst/>
-            </a:prstTxWarp>
-          </a:bodyPr>
-          <a:lstStyle/>
-          <a:p>
-            <a:endParaRPr lang="de-CH"/>
-          </a:p>
-        </p:txBody>
-      </p:sp>
-      <p:sp>
-        <p:nvSpPr>
           <p:cNvPr id="33" name="Pfeil nach rechts 32"/>
           <p:cNvSpPr/>
           <p:nvPr/>
         </p:nvSpPr>
         <p:spPr>
-          <a:xfrm rot="9000000">
-            <a:off x="3556424" y="2213910"/>
-            <a:ext cx="2700808" cy="269938"/>
+          <a:xfrm rot="19306247">
+            <a:off x="2877813" y="4692402"/>
+            <a:ext cx="2589437" cy="269938"/>
           </a:xfrm>
           <a:prstGeom prst="rightArrow">
             <a:avLst/>
@@ -4796,9 +5286,9 @@
           <p:nvPr/>
         </p:nvSpPr>
         <p:spPr>
-          <a:xfrm rot="12600000">
-            <a:off x="3698988" y="4319983"/>
-            <a:ext cx="2476150" cy="240117"/>
+          <a:xfrm rot="1800000">
+            <a:off x="3000443" y="2367853"/>
+            <a:ext cx="2358292" cy="240117"/>
           </a:xfrm>
           <a:prstGeom prst="rightArrow">
             <a:avLst/>
@@ -4831,161 +5321,13 @@
       </p:sp>
       <p:sp>
         <p:nvSpPr>
-          <p:cNvPr id="34" name="Nach unten gekrümmter Pfeil 33"/>
-          <p:cNvSpPr/>
-          <p:nvPr/>
-        </p:nvSpPr>
-        <p:spPr>
-          <a:xfrm>
-            <a:off x="510887" y="586086"/>
-            <a:ext cx="950505" cy="576064"/>
-          </a:xfrm>
-          <a:prstGeom prst="curvedDownArrow">
-            <a:avLst/>
-          </a:prstGeom>
-        </p:spPr>
-        <p:style>
-          <a:lnRef idx="2">
-            <a:schemeClr val="accent1">
-              <a:shade val="50000"/>
-            </a:schemeClr>
-          </a:lnRef>
-          <a:fillRef idx="1">
-            <a:schemeClr val="accent1"/>
-          </a:fillRef>
-          <a:effectRef idx="0">
-            <a:schemeClr val="accent1"/>
-          </a:effectRef>
-          <a:fontRef idx="minor">
-            <a:schemeClr val="lt1"/>
-          </a:fontRef>
-        </p:style>
-        <p:txBody>
-          <a:bodyPr rtlCol="0" anchor="ctr"/>
-          <a:lstStyle/>
-          <a:p>
-            <a:pPr algn="ctr"/>
-            <a:endParaRPr lang="de-CH">
-              <a:solidFill>
-                <a:schemeClr val="tx1"/>
-              </a:solidFill>
-            </a:endParaRPr>
-          </a:p>
-        </p:txBody>
-      </p:sp>
-      <p:sp>
-        <p:nvSpPr>
-          <p:cNvPr id="43" name="Nach unten gekrümmter Pfeil 42"/>
-          <p:cNvSpPr/>
-          <p:nvPr/>
-        </p:nvSpPr>
-        <p:spPr>
-          <a:xfrm>
-            <a:off x="1576946" y="576564"/>
-            <a:ext cx="950505" cy="576064"/>
-          </a:xfrm>
-          <a:prstGeom prst="curvedDownArrow">
-            <a:avLst/>
-          </a:prstGeom>
-        </p:spPr>
-        <p:style>
-          <a:lnRef idx="2">
-            <a:schemeClr val="accent1">
-              <a:shade val="50000"/>
-            </a:schemeClr>
-          </a:lnRef>
-          <a:fillRef idx="1">
-            <a:schemeClr val="accent1"/>
-          </a:fillRef>
-          <a:effectRef idx="0">
-            <a:schemeClr val="accent1"/>
-          </a:effectRef>
-          <a:fontRef idx="minor">
-            <a:schemeClr val="lt1"/>
-          </a:fontRef>
-        </p:style>
-        <p:txBody>
-          <a:bodyPr rtlCol="0" anchor="ctr"/>
-          <a:lstStyle/>
-          <a:p>
-            <a:pPr algn="ctr"/>
-            <a:endParaRPr lang="de-CH">
-              <a:solidFill>
-                <a:schemeClr val="tx1"/>
-              </a:solidFill>
-            </a:endParaRPr>
-          </a:p>
-        </p:txBody>
-      </p:sp>
-      <p:sp>
-        <p:nvSpPr>
-          <p:cNvPr id="38" name="Textfeld 37"/>
-          <p:cNvSpPr txBox="1"/>
-          <p:nvPr/>
-        </p:nvSpPr>
-        <p:spPr>
-          <a:xfrm>
-            <a:off x="501381" y="207232"/>
-            <a:ext cx="922368" cy="369332"/>
-          </a:xfrm>
-          <a:prstGeom prst="rect">
-            <a:avLst/>
-          </a:prstGeom>
-          <a:noFill/>
-        </p:spPr>
-        <p:txBody>
-          <a:bodyPr wrap="none" rtlCol="0">
-            <a:spAutoFit/>
-          </a:bodyPr>
-          <a:lstStyle/>
-          <a:p>
-            <a:r>
-              <a:rPr lang="de-CH" dirty="0" err="1" smtClean="0"/>
-              <a:t>Convert</a:t>
-            </a:r>
-            <a:endParaRPr lang="de-CH" dirty="0"/>
-          </a:p>
-        </p:txBody>
-      </p:sp>
-      <p:sp>
-        <p:nvSpPr>
-          <p:cNvPr id="42" name="Textfeld 41"/>
-          <p:cNvSpPr txBox="1"/>
-          <p:nvPr/>
-        </p:nvSpPr>
-        <p:spPr>
-          <a:xfrm>
-            <a:off x="1634872" y="207232"/>
-            <a:ext cx="834652" cy="369332"/>
-          </a:xfrm>
-          <a:prstGeom prst="rect">
-            <a:avLst/>
-          </a:prstGeom>
-          <a:noFill/>
-        </p:spPr>
-        <p:txBody>
-          <a:bodyPr wrap="none" rtlCol="0">
-            <a:spAutoFit/>
-          </a:bodyPr>
-          <a:lstStyle/>
-          <a:p>
-            <a:r>
-              <a:rPr lang="de-CH" dirty="0" err="1" smtClean="0"/>
-              <a:t>Extract</a:t>
-            </a:r>
-            <a:endParaRPr lang="de-CH" dirty="0"/>
-          </a:p>
-        </p:txBody>
-      </p:sp>
-      <p:sp>
-        <p:nvSpPr>
           <p:cNvPr id="44" name="Textfeld 43"/>
           <p:cNvSpPr txBox="1"/>
           <p:nvPr/>
         </p:nvSpPr>
         <p:spPr>
-          <a:xfrm rot="19800000">
-            <a:off x="4528764" y="2391441"/>
+          <a:xfrm rot="19226406">
+            <a:off x="3802889" y="4771791"/>
             <a:ext cx="1142364" cy="369332"/>
           </a:xfrm>
           <a:prstGeom prst="rect">
@@ -5007,16 +5349,62 @@
           </a:p>
         </p:txBody>
       </p:sp>
-      <p:sp>
-        <p:nvSpPr>
-          <p:cNvPr id="47" name="Textfeld 46"/>
+      <p:pic>
+        <p:nvPicPr>
+          <p:cNvPr id="17" name="Picture 2" descr="http://blogs.msdn.com/cfs-filesystemfile.ashx/__key/communityserver-blogs-components-weblogfiles/00-00-00-93-46/2526.SUR40.png"/>
+          <p:cNvPicPr>
+            <a:picLocks noChangeAspect="1" noChangeArrowheads="1"/>
+          </p:cNvPicPr>
+          <p:nvPr/>
+        </p:nvPicPr>
+        <p:blipFill>
+          <a:blip r:embed="rId4">
+            <a:extLst>
+              <a:ext uri="{28A0092B-C50C-407E-A947-70E740481C1C}">
+                <a14:useLocalDpi xmlns:a14="http://schemas.microsoft.com/office/drawing/2010/main" val="0"/>
+              </a:ext>
+            </a:extLst>
+          </a:blip>
+          <a:srcRect/>
+          <a:stretch>
+            <a:fillRect/>
+          </a:stretch>
+        </p:blipFill>
+        <p:spPr bwMode="auto">
+          <a:xfrm>
+            <a:off x="5961720" y="2067202"/>
+            <a:ext cx="2635425" cy="1850068"/>
+          </a:xfrm>
+          <a:prstGeom prst="rect">
+            <a:avLst/>
+          </a:prstGeom>
+          <a:ln>
+            <a:noFill/>
+          </a:ln>
+          <a:effectLst>
+            <a:softEdge rad="112500"/>
+          </a:effectLst>
+          <a:extLst>
+            <a:ext uri="{909E8E84-426E-40DD-AFC4-6F175D3DCCD1}">
+              <a14:hiddenFill xmlns:a14="http://schemas.microsoft.com/office/drawing/2010/main">
+                <a:solidFill>
+                  <a:srgbClr val="FFFFFF"/>
+                </a:solidFill>
+              </a14:hiddenFill>
+            </a:ext>
+          </a:extLst>
+        </p:spPr>
+      </p:pic>
+      <p:sp>
+        <p:nvSpPr>
+          <p:cNvPr id="45" name="Textfeld 44"/>
           <p:cNvSpPr txBox="1"/>
           <p:nvPr/>
         </p:nvSpPr>
         <p:spPr>
-          <a:xfrm>
-            <a:off x="1898818" y="5890046"/>
-            <a:ext cx="1809086" cy="923330"/>
+          <a:xfrm rot="1800000">
+            <a:off x="3429791" y="2482970"/>
+            <a:ext cx="1142364" cy="369332"/>
           </a:xfrm>
           <a:prstGeom prst="rect">
             <a:avLst/>
@@ -5029,40 +5417,9 @@
           </a:bodyPr>
           <a:lstStyle/>
           <a:p>
-            <a:pPr algn="ctr"/>
             <a:r>
               <a:rPr lang="de-CH" dirty="0" smtClean="0"/>
-              <a:t>Project Notes</a:t>
-            </a:r>
-          </a:p>
-          <a:p>
-            <a:pPr algn="ctr"/>
-            <a:r>
-              <a:rPr lang="de-CH" dirty="0" err="1" smtClean="0"/>
-              <a:t>aggregation</a:t>
-            </a:r>
-            <a:r>
-              <a:rPr lang="de-CH" dirty="0" smtClean="0"/>
-              <a:t> File</a:t>
-            </a:r>
-          </a:p>
-          <a:p>
-            <a:pPr algn="ctr"/>
-            <a:r>
-              <a:rPr lang="de-CH" dirty="0" smtClean="0"/>
-              <a:t>Tab </a:t>
-            </a:r>
-            <a:r>
-              <a:rPr lang="de-CH" dirty="0" err="1" smtClean="0"/>
-              <a:t>seperated</a:t>
-            </a:r>
-            <a:r>
-              <a:rPr lang="de-CH" dirty="0" smtClean="0"/>
-              <a:t> </a:t>
-            </a:r>
-            <a:r>
-              <a:rPr lang="de-CH" dirty="0" err="1" smtClean="0"/>
-              <a:t>txt</a:t>
+              <a:t>Download</a:t>
             </a:r>
             <a:endParaRPr lang="de-CH" dirty="0"/>
           </a:p>
@@ -5070,146 +5427,400 @@
       </p:sp>
       <p:sp>
         <p:nvSpPr>
-          <p:cNvPr id="48" name="Document"/>
-          <p:cNvSpPr>
-            <a:spLocks noEditPoints="1" noChangeArrowheads="1"/>
-          </p:cNvSpPr>
+          <p:cNvPr id="18" name="Rechteck 17"/>
+          <p:cNvSpPr/>
           <p:nvPr/>
         </p:nvSpPr>
-        <p:spPr bwMode="auto">
+        <p:spPr>
           <a:xfrm>
-            <a:off x="2474817" y="4948136"/>
-            <a:ext cx="657082" cy="879194"/>
+            <a:off x="2455003" y="52941"/>
+            <a:ext cx="535724" cy="923330"/>
           </a:xfrm>
-          <a:custGeom>
+          <a:prstGeom prst="rect">
             <a:avLst/>
-            <a:gdLst>
-              <a:gd name="T0" fmla="*/ 10757 w 21600"/>
-              <a:gd name="T1" fmla="*/ 21632 h 21600"/>
-              <a:gd name="T2" fmla="*/ 85 w 21600"/>
-              <a:gd name="T3" fmla="*/ 10849 h 21600"/>
-              <a:gd name="T4" fmla="*/ 10757 w 21600"/>
-              <a:gd name="T5" fmla="*/ 81 h 21600"/>
-              <a:gd name="T6" fmla="*/ 21706 w 21600"/>
-              <a:gd name="T7" fmla="*/ 10652 h 21600"/>
-              <a:gd name="T8" fmla="*/ 10757 w 21600"/>
-              <a:gd name="T9" fmla="*/ 21632 h 21600"/>
-              <a:gd name="T10" fmla="*/ 0 w 21600"/>
-              <a:gd name="T11" fmla="*/ 0 h 21600"/>
-              <a:gd name="T12" fmla="*/ 21600 w 21600"/>
-              <a:gd name="T13" fmla="*/ 0 h 21600"/>
-              <a:gd name="T14" fmla="*/ 21600 w 21600"/>
-              <a:gd name="T15" fmla="*/ 21600 h 21600"/>
-              <a:gd name="T16" fmla="*/ 977 w 21600"/>
-              <a:gd name="T17" fmla="*/ 818 h 21600"/>
-              <a:gd name="T18" fmla="*/ 20622 w 21600"/>
-              <a:gd name="T19" fmla="*/ 16429 h 21600"/>
-            </a:gdLst>
-            <a:ahLst/>
-            <a:cxnLst>
-              <a:cxn ang="0">
-                <a:pos x="T0" y="T1"/>
-              </a:cxn>
-              <a:cxn ang="0">
-                <a:pos x="T2" y="T3"/>
-              </a:cxn>
-              <a:cxn ang="0">
-                <a:pos x="T4" y="T5"/>
-              </a:cxn>
-              <a:cxn ang="0">
-                <a:pos x="T6" y="T7"/>
-              </a:cxn>
-              <a:cxn ang="0">
-                <a:pos x="T8" y="T9"/>
-              </a:cxn>
-              <a:cxn ang="0">
-                <a:pos x="T10" y="T11"/>
-              </a:cxn>
-              <a:cxn ang="0">
-                <a:pos x="T12" y="T13"/>
-              </a:cxn>
-              <a:cxn ang="0">
-                <a:pos x="T14" y="T15"/>
-              </a:cxn>
-            </a:cxnLst>
-            <a:rect l="T16" t="T17" r="T18" b="T19"/>
-            <a:pathLst>
-              <a:path w="21600" h="21600">
-                <a:moveTo>
-                  <a:pt x="10757" y="21632"/>
-                </a:moveTo>
-                <a:lnTo>
-                  <a:pt x="5187" y="21632"/>
-                </a:lnTo>
-                <a:lnTo>
-                  <a:pt x="85" y="17509"/>
-                </a:lnTo>
-                <a:lnTo>
-                  <a:pt x="85" y="10849"/>
-                </a:lnTo>
-                <a:lnTo>
-                  <a:pt x="85" y="81"/>
-                </a:lnTo>
-                <a:lnTo>
-                  <a:pt x="10757" y="81"/>
-                </a:lnTo>
-                <a:lnTo>
-                  <a:pt x="21706" y="81"/>
-                </a:lnTo>
-                <a:lnTo>
-                  <a:pt x="21706" y="10652"/>
-                </a:lnTo>
-                <a:lnTo>
-                  <a:pt x="21706" y="21632"/>
-                </a:lnTo>
-                <a:lnTo>
-                  <a:pt x="10757" y="21632"/>
-                </a:lnTo>
-                <a:close/>
-              </a:path>
-              <a:path w="21600" h="21600">
-                <a:moveTo>
-                  <a:pt x="85" y="17509"/>
-                </a:moveTo>
-                <a:lnTo>
-                  <a:pt x="5187" y="17509"/>
-                </a:lnTo>
-                <a:lnTo>
-                  <a:pt x="5187" y="21632"/>
-                </a:lnTo>
-                <a:lnTo>
-                  <a:pt x="85" y="17509"/>
-                </a:lnTo>
-                <a:close/>
-              </a:path>
-            </a:pathLst>
-          </a:custGeom>
-          <a:solidFill>
-            <a:srgbClr val="D8EBB3"/>
-          </a:solidFill>
-          <a:ln w="9525">
-            <a:solidFill>
-              <a:srgbClr val="000000"/>
-            </a:solidFill>
-            <a:miter lim="800000"/>
-            <a:headEnd/>
-            <a:tailEnd/>
-          </a:ln>
-          <a:effectLst>
-            <a:outerShdw dist="107763" dir="2700000" algn="ctr" rotWithShape="0">
-              <a:srgbClr val="808080"/>
-            </a:outerShdw>
-          </a:effectLst>
+          </a:prstGeom>
+          <a:noFill/>
         </p:spPr>
         <p:txBody>
-          <a:bodyPr vert="horz" wrap="square" lIns="91440" tIns="45720" rIns="91440" bIns="45720" numCol="1" anchor="t" anchorCtr="0" compatLnSpc="1">
-            <a:prstTxWarp prst="textNoShape">
-              <a:avLst/>
-            </a:prstTxWarp>
+          <a:bodyPr wrap="none" lIns="91440" tIns="45720" rIns="91440" bIns="45720">
+            <a:spAutoFit/>
           </a:bodyPr>
           <a:lstStyle/>
           <a:p>
-            <a:endParaRPr lang="de-CH"/>
+            <a:pPr algn="ctr"/>
+            <a:r>
+              <a:rPr lang="de-DE" sz="5400" b="1" dirty="0" smtClean="0">
+                <a:ln w="17780" cmpd="sng">
+                  <a:solidFill>
+                    <a:srgbClr val="FFFFFF"/>
+                  </a:solidFill>
+                  <a:prstDash val="solid"/>
+                  <a:miter lim="800000"/>
+                </a:ln>
+                <a:gradFill rotWithShape="1">
+                  <a:gsLst>
+                    <a:gs pos="0">
+                      <a:srgbClr val="000000">
+                        <a:tint val="92000"/>
+                        <a:shade val="100000"/>
+                        <a:satMod val="150000"/>
+                      </a:srgbClr>
+                    </a:gs>
+                    <a:gs pos="49000">
+                      <a:srgbClr val="000000">
+                        <a:tint val="89000"/>
+                        <a:shade val="90000"/>
+                        <a:satMod val="150000"/>
+                      </a:srgbClr>
+                    </a:gs>
+                    <a:gs pos="50000">
+                      <a:srgbClr val="000000">
+                        <a:tint val="100000"/>
+                        <a:shade val="75000"/>
+                        <a:satMod val="150000"/>
+                      </a:srgbClr>
+                    </a:gs>
+                    <a:gs pos="95000">
+                      <a:srgbClr val="000000">
+                        <a:shade val="47000"/>
+                        <a:satMod val="150000"/>
+                      </a:srgbClr>
+                    </a:gs>
+                    <a:gs pos="100000">
+                      <a:srgbClr val="000000">
+                        <a:shade val="39000"/>
+                        <a:satMod val="150000"/>
+                      </a:srgbClr>
+                    </a:gs>
+                  </a:gsLst>
+                  <a:lin ang="5400000"/>
+                </a:gradFill>
+                <a:effectLst>
+                  <a:outerShdw blurRad="50800" algn="tl" rotWithShape="0">
+                    <a:srgbClr val="000000"/>
+                  </a:outerShdw>
+                </a:effectLst>
+              </a:rPr>
+              <a:t>1</a:t>
+            </a:r>
+            <a:endParaRPr lang="de-DE" sz="5400" b="1" dirty="0">
+              <a:ln w="17780" cmpd="sng">
+                <a:solidFill>
+                  <a:srgbClr val="FFFFFF"/>
+                </a:solidFill>
+                <a:prstDash val="solid"/>
+                <a:miter lim="800000"/>
+              </a:ln>
+              <a:gradFill rotWithShape="1">
+                <a:gsLst>
+                  <a:gs pos="0">
+                    <a:srgbClr val="000000">
+                      <a:tint val="92000"/>
+                      <a:shade val="100000"/>
+                      <a:satMod val="150000"/>
+                    </a:srgbClr>
+                  </a:gs>
+                  <a:gs pos="49000">
+                    <a:srgbClr val="000000">
+                      <a:tint val="89000"/>
+                      <a:shade val="90000"/>
+                      <a:satMod val="150000"/>
+                    </a:srgbClr>
+                  </a:gs>
+                  <a:gs pos="50000">
+                    <a:srgbClr val="000000">
+                      <a:tint val="100000"/>
+                      <a:shade val="75000"/>
+                      <a:satMod val="150000"/>
+                    </a:srgbClr>
+                  </a:gs>
+                  <a:gs pos="95000">
+                    <a:srgbClr val="000000">
+                      <a:shade val="47000"/>
+                      <a:satMod val="150000"/>
+                    </a:srgbClr>
+                  </a:gs>
+                  <a:gs pos="100000">
+                    <a:srgbClr val="000000">
+                      <a:shade val="39000"/>
+                      <a:satMod val="150000"/>
+                    </a:srgbClr>
+                  </a:gs>
+                </a:gsLst>
+                <a:lin ang="5400000"/>
+              </a:gradFill>
+              <a:effectLst>
+                <a:outerShdw blurRad="50800" algn="tl" rotWithShape="0">
+                  <a:srgbClr val="000000"/>
+                </a:outerShdw>
+              </a:effectLst>
+            </a:endParaRPr>
+          </a:p>
+        </p:txBody>
+      </p:sp>
+      <p:sp>
+        <p:nvSpPr>
+          <p:cNvPr id="46" name="Rechteck 45"/>
+          <p:cNvSpPr/>
+          <p:nvPr/>
+        </p:nvSpPr>
+        <p:spPr>
+          <a:xfrm>
+            <a:off x="2451209" y="3405135"/>
+            <a:ext cx="535724" cy="923330"/>
+          </a:xfrm>
+          <a:prstGeom prst="rect">
+            <a:avLst/>
+          </a:prstGeom>
+          <a:noFill/>
+        </p:spPr>
+        <p:txBody>
+          <a:bodyPr wrap="none" lIns="91440" tIns="45720" rIns="91440" bIns="45720">
+            <a:spAutoFit/>
+          </a:bodyPr>
+          <a:lstStyle/>
+          <a:p>
+            <a:pPr algn="ctr"/>
+            <a:r>
+              <a:rPr lang="de-DE" sz="5400" b="1" dirty="0" smtClean="0">
+                <a:ln w="17780" cmpd="sng">
+                  <a:solidFill>
+                    <a:srgbClr val="FFFFFF"/>
+                  </a:solidFill>
+                  <a:prstDash val="solid"/>
+                  <a:miter lim="800000"/>
+                </a:ln>
+                <a:gradFill rotWithShape="1">
+                  <a:gsLst>
+                    <a:gs pos="0">
+                      <a:srgbClr val="000000">
+                        <a:tint val="92000"/>
+                        <a:shade val="100000"/>
+                        <a:satMod val="150000"/>
+                      </a:srgbClr>
+                    </a:gs>
+                    <a:gs pos="49000">
+                      <a:srgbClr val="000000">
+                        <a:tint val="89000"/>
+                        <a:shade val="90000"/>
+                        <a:satMod val="150000"/>
+                      </a:srgbClr>
+                    </a:gs>
+                    <a:gs pos="50000">
+                      <a:srgbClr val="000000">
+                        <a:tint val="100000"/>
+                        <a:shade val="75000"/>
+                        <a:satMod val="150000"/>
+                      </a:srgbClr>
+                    </a:gs>
+                    <a:gs pos="95000">
+                      <a:srgbClr val="000000">
+                        <a:shade val="47000"/>
+                        <a:satMod val="150000"/>
+                      </a:srgbClr>
+                    </a:gs>
+                    <a:gs pos="100000">
+                      <a:srgbClr val="000000">
+                        <a:shade val="39000"/>
+                        <a:satMod val="150000"/>
+                      </a:srgbClr>
+                    </a:gs>
+                  </a:gsLst>
+                  <a:lin ang="5400000"/>
+                </a:gradFill>
+                <a:effectLst>
+                  <a:outerShdw blurRad="50800" algn="tl" rotWithShape="0">
+                    <a:srgbClr val="000000"/>
+                  </a:outerShdw>
+                </a:effectLst>
+              </a:rPr>
+              <a:t>2</a:t>
+            </a:r>
+            <a:endParaRPr lang="de-DE" sz="5400" b="1" dirty="0">
+              <a:ln w="17780" cmpd="sng">
+                <a:solidFill>
+                  <a:srgbClr val="FFFFFF"/>
+                </a:solidFill>
+                <a:prstDash val="solid"/>
+                <a:miter lim="800000"/>
+              </a:ln>
+              <a:gradFill rotWithShape="1">
+                <a:gsLst>
+                  <a:gs pos="0">
+                    <a:srgbClr val="000000">
+                      <a:tint val="92000"/>
+                      <a:shade val="100000"/>
+                      <a:satMod val="150000"/>
+                    </a:srgbClr>
+                  </a:gs>
+                  <a:gs pos="49000">
+                    <a:srgbClr val="000000">
+                      <a:tint val="89000"/>
+                      <a:shade val="90000"/>
+                      <a:satMod val="150000"/>
+                    </a:srgbClr>
+                  </a:gs>
+                  <a:gs pos="50000">
+                    <a:srgbClr val="000000">
+                      <a:tint val="100000"/>
+                      <a:shade val="75000"/>
+                      <a:satMod val="150000"/>
+                    </a:srgbClr>
+                  </a:gs>
+                  <a:gs pos="95000">
+                    <a:srgbClr val="000000">
+                      <a:shade val="47000"/>
+                      <a:satMod val="150000"/>
+                    </a:srgbClr>
+                  </a:gs>
+                  <a:gs pos="100000">
+                    <a:srgbClr val="000000">
+                      <a:shade val="39000"/>
+                      <a:satMod val="150000"/>
+                    </a:srgbClr>
+                  </a:gs>
+                </a:gsLst>
+                <a:lin ang="5400000"/>
+              </a:gradFill>
+              <a:effectLst>
+                <a:outerShdw blurRad="50800" algn="tl" rotWithShape="0">
+                  <a:srgbClr val="000000"/>
+                </a:outerShdw>
+              </a:effectLst>
+            </a:endParaRPr>
+          </a:p>
+        </p:txBody>
+      </p:sp>
+      <p:sp>
+        <p:nvSpPr>
+          <p:cNvPr id="49" name="Rechteck 48"/>
+          <p:cNvSpPr/>
+          <p:nvPr/>
+        </p:nvSpPr>
+        <p:spPr>
+          <a:xfrm>
+            <a:off x="8508362" y="59408"/>
+            <a:ext cx="535724" cy="923330"/>
+          </a:xfrm>
+          <a:prstGeom prst="rect">
+            <a:avLst/>
+          </a:prstGeom>
+          <a:noFill/>
+        </p:spPr>
+        <p:txBody>
+          <a:bodyPr wrap="none" lIns="91440" tIns="45720" rIns="91440" bIns="45720">
+            <a:spAutoFit/>
+          </a:bodyPr>
+          <a:lstStyle/>
+          <a:p>
+            <a:pPr algn="ctr"/>
+            <a:r>
+              <a:rPr lang="de-DE" sz="5400" b="1" dirty="0" smtClean="0">
+                <a:ln w="17780" cmpd="sng">
+                  <a:solidFill>
+                    <a:srgbClr val="FFFFFF"/>
+                  </a:solidFill>
+                  <a:prstDash val="solid"/>
+                  <a:miter lim="800000"/>
+                </a:ln>
+                <a:gradFill rotWithShape="1">
+                  <a:gsLst>
+                    <a:gs pos="0">
+                      <a:srgbClr val="000000">
+                        <a:tint val="92000"/>
+                        <a:shade val="100000"/>
+                        <a:satMod val="150000"/>
+                      </a:srgbClr>
+                    </a:gs>
+                    <a:gs pos="49000">
+                      <a:srgbClr val="000000">
+                        <a:tint val="89000"/>
+                        <a:shade val="90000"/>
+                        <a:satMod val="150000"/>
+                      </a:srgbClr>
+                    </a:gs>
+                    <a:gs pos="50000">
+                      <a:srgbClr val="000000">
+                        <a:tint val="100000"/>
+                        <a:shade val="75000"/>
+                        <a:satMod val="150000"/>
+                      </a:srgbClr>
+                    </a:gs>
+                    <a:gs pos="95000">
+                      <a:srgbClr val="000000">
+                        <a:shade val="47000"/>
+                        <a:satMod val="150000"/>
+                      </a:srgbClr>
+                    </a:gs>
+                    <a:gs pos="100000">
+                      <a:srgbClr val="000000">
+                        <a:shade val="39000"/>
+                        <a:satMod val="150000"/>
+                      </a:srgbClr>
+                    </a:gs>
+                  </a:gsLst>
+                  <a:lin ang="5400000"/>
+                </a:gradFill>
+                <a:effectLst>
+                  <a:outerShdw blurRad="50800" algn="tl" rotWithShape="0">
+                    <a:srgbClr val="000000"/>
+                  </a:outerShdw>
+                </a:effectLst>
+              </a:rPr>
+              <a:t>3</a:t>
+            </a:r>
+            <a:endParaRPr lang="de-DE" sz="5400" b="1" dirty="0">
+              <a:ln w="17780" cmpd="sng">
+                <a:solidFill>
+                  <a:srgbClr val="FFFFFF"/>
+                </a:solidFill>
+                <a:prstDash val="solid"/>
+                <a:miter lim="800000"/>
+              </a:ln>
+              <a:gradFill rotWithShape="1">
+                <a:gsLst>
+                  <a:gs pos="0">
+                    <a:srgbClr val="000000">
+                      <a:tint val="92000"/>
+                      <a:shade val="100000"/>
+                      <a:satMod val="150000"/>
+                    </a:srgbClr>
+                  </a:gs>
+                  <a:gs pos="49000">
+                    <a:srgbClr val="000000">
+                      <a:tint val="89000"/>
+                      <a:shade val="90000"/>
+                      <a:satMod val="150000"/>
+                    </a:srgbClr>
+                  </a:gs>
+                  <a:gs pos="50000">
+                    <a:srgbClr val="000000">
+                      <a:tint val="100000"/>
+                      <a:shade val="75000"/>
+                      <a:satMod val="150000"/>
+                    </a:srgbClr>
+                  </a:gs>
+                  <a:gs pos="95000">
+                    <a:srgbClr val="000000">
+                      <a:shade val="47000"/>
+                      <a:satMod val="150000"/>
+                    </a:srgbClr>
+                  </a:gs>
+                  <a:gs pos="100000">
+                    <a:srgbClr val="000000">
+                      <a:shade val="39000"/>
+                      <a:satMod val="150000"/>
+                    </a:srgbClr>
+                  </a:gs>
+                </a:gsLst>
+                <a:lin ang="5400000"/>
+              </a:gradFill>
+              <a:effectLst>
+                <a:outerShdw blurRad="50800" algn="tl" rotWithShape="0">
+                  <a:srgbClr val="000000"/>
+                </a:outerShdw>
+              </a:effectLst>
+            </a:endParaRPr>
           </a:p>
         </p:txBody>
       </p:sp>
@@ -5293,10 +5904,10 @@
           <a:p>
             <a:pPr lvl="1"/>
             <a:r>
-              <a:rPr lang="de-CH" dirty="0" smtClean="0">
+              <a:rPr lang="de-CH" dirty="0">
                 <a:hlinkClick r:id="rId2"/>
               </a:rPr>
-              <a:t>http://www.microsoft.com/presspass/presskits/surfacecomputing/gallery.mspx</a:t>
+              <a:t>http://blogs.msdn.com/b/surface/archive/2011/11/17/preorder.aspx</a:t>
             </a:r>
             <a:endParaRPr lang="de-CH" dirty="0"/>
           </a:p>

--- a/doc/03_Technischer_Bericht_Teil_2/04_Entwurf/systemuebersicht.pptx
+++ b/doc/03_Technischer_Bericht_Teil_2/04_Entwurf/systemuebersicht.pptx
@@ -3180,8 +3180,8 @@
         </p:nvSpPr>
         <p:spPr>
           <a:xfrm>
-            <a:off x="107504" y="138175"/>
-            <a:ext cx="2883223" cy="2854061"/>
+            <a:off x="60208" y="138175"/>
+            <a:ext cx="2977813" cy="2854061"/>
           </a:xfrm>
           <a:prstGeom prst="rect">
             <a:avLst/>
